--- a/doc/Presentasi/KONVERSI JADWAL MENGAWAS UJIAN KE FORMAT ICS.pptx
+++ b/doc/Presentasi/KONVERSI JADWAL MENGAWAS UJIAN KE FORMAT ICS.pptx
@@ -5,7 +5,7 @@
     <p:sldMasterId id="2147483840" r:id="rId1"/>
   </p:sldMasterIdLst>
   <p:notesMasterIdLst>
-    <p:notesMasterId r:id="rId23"/>
+    <p:notesMasterId r:id="rId27"/>
   </p:notesMasterIdLst>
   <p:sldIdLst>
     <p:sldId id="256" r:id="rId2"/>
@@ -28,7 +28,11 @@
     <p:sldId id="274" r:id="rId19"/>
     <p:sldId id="275" r:id="rId20"/>
     <p:sldId id="276" r:id="rId21"/>
-    <p:sldId id="277" r:id="rId22"/>
+    <p:sldId id="280" r:id="rId22"/>
+    <p:sldId id="281" r:id="rId23"/>
+    <p:sldId id="277" r:id="rId24"/>
+    <p:sldId id="278" r:id="rId25"/>
+    <p:sldId id="279" r:id="rId26"/>
   </p:sldIdLst>
   <p:sldSz cx="12192000" cy="6858000"/>
   <p:notesSz cx="6858000" cy="9144000"/>
@@ -217,7 +221,7 @@
           <a:p>
             <a:fld id="{EFB89F60-025A-40D2-8B41-4B029323FB87}" type="datetimeFigureOut">
               <a:rPr lang="id-ID" smtClean="0"/>
-              <a:t>03/12/2016</a:t>
+              <a:t>12/12/2016</a:t>
             </a:fld>
             <a:endParaRPr lang="id-ID"/>
           </a:p>
@@ -529,6 +533,888 @@
           <a:bodyPr/>
           <a:lstStyle/>
           <a:p>
+            <a:r>
+              <a:rPr lang="en-US" sz="1200" b="0" i="0" kern="1200" dirty="0">
+                <a:solidFill>
+                  <a:schemeClr val="tx1"/>
+                </a:solidFill>
+                <a:effectLst/>
+                <a:latin typeface="+mn-lt"/>
+                <a:ea typeface="+mn-ea"/>
+                <a:cs typeface="+mn-cs"/>
+              </a:rPr>
+              <a:t> computer </a:t>
+            </a:r>
+            <a:r>
+              <a:rPr lang="en-US" sz="1200" b="0" i="0" u="none" strike="noStrike" kern="1200" dirty="0">
+                <a:solidFill>
+                  <a:schemeClr val="tx1"/>
+                </a:solidFill>
+                <a:effectLst/>
+                <a:latin typeface="+mn-lt"/>
+                <a:ea typeface="+mn-ea"/>
+                <a:cs typeface="+mn-cs"/>
+                <a:hlinkClick r:id="rId3" tooltip="File format"/>
+              </a:rPr>
+              <a:t>file format</a:t>
+            </a:r>
+            <a:r>
+              <a:rPr lang="en-US" sz="1200" b="0" i="0" kern="1200" dirty="0">
+                <a:solidFill>
+                  <a:schemeClr val="tx1"/>
+                </a:solidFill>
+                <a:effectLst/>
+                <a:latin typeface="+mn-lt"/>
+                <a:ea typeface="+mn-ea"/>
+                <a:cs typeface="+mn-cs"/>
+              </a:rPr>
+              <a:t> which allows Internet users to send meeting requests and tasks to other Internet users by sharing or sending files in this format through various methods</a:t>
+            </a:r>
+            <a:endParaRPr lang="id-ID" dirty="0"/>
+          </a:p>
+        </p:txBody>
+      </p:sp>
+      <p:sp>
+        <p:nvSpPr>
+          <p:cNvPr id="4" name="Slide Number Placeholder 3"/>
+          <p:cNvSpPr>
+            <a:spLocks noGrp="1"/>
+          </p:cNvSpPr>
+          <p:nvPr>
+            <p:ph type="sldNum" sz="quarter" idx="10"/>
+          </p:nvPr>
+        </p:nvSpPr>
+        <p:spPr/>
+        <p:txBody>
+          <a:bodyPr/>
+          <a:lstStyle/>
+          <a:p>
+            <a:fld id="{4CC5A580-0E24-44E6-90F6-12D257CD7D6B}" type="slidenum">
+              <a:rPr lang="id-ID" smtClean="0"/>
+              <a:t>2</a:t>
+            </a:fld>
+            <a:endParaRPr lang="id-ID"/>
+          </a:p>
+        </p:txBody>
+      </p:sp>
+    </p:spTree>
+    <p:extLst>
+      <p:ext uri="{BB962C8B-B14F-4D97-AF65-F5344CB8AC3E}">
+        <p14:creationId xmlns:p14="http://schemas.microsoft.com/office/powerpoint/2010/main" val="3165638729"/>
+      </p:ext>
+    </p:extLst>
+  </p:cSld>
+  <p:clrMapOvr>
+    <a:masterClrMapping/>
+  </p:clrMapOvr>
+</p:notes>
+</file>
+
+<file path=ppt/notesSlides/notesSlide2.xml><?xml version="1.0" encoding="utf-8"?>
+<p:notes xmlns:a="http://schemas.openxmlformats.org/drawingml/2006/main" xmlns:r="http://schemas.openxmlformats.org/officeDocument/2006/relationships" xmlns:p="http://schemas.openxmlformats.org/presentationml/2006/main">
+  <p:cSld>
+    <p:spTree>
+      <p:nvGrpSpPr>
+        <p:cNvPr id="1" name=""/>
+        <p:cNvGrpSpPr/>
+        <p:nvPr/>
+      </p:nvGrpSpPr>
+      <p:grpSpPr>
+        <a:xfrm>
+          <a:off x="0" y="0"/>
+          <a:ext cx="0" cy="0"/>
+          <a:chOff x="0" y="0"/>
+          <a:chExt cx="0" cy="0"/>
+        </a:xfrm>
+      </p:grpSpPr>
+      <p:sp>
+        <p:nvSpPr>
+          <p:cNvPr id="2" name="Slide Image Placeholder 1"/>
+          <p:cNvSpPr>
+            <a:spLocks noGrp="1" noRot="1" noChangeAspect="1"/>
+          </p:cNvSpPr>
+          <p:nvPr>
+            <p:ph type="sldImg"/>
+          </p:nvPr>
+        </p:nvSpPr>
+        <p:spPr/>
+      </p:sp>
+      <p:sp>
+        <p:nvSpPr>
+          <p:cNvPr id="3" name="Notes Placeholder 2"/>
+          <p:cNvSpPr>
+            <a:spLocks noGrp="1"/>
+          </p:cNvSpPr>
+          <p:nvPr>
+            <p:ph type="body" idx="1"/>
+          </p:nvPr>
+        </p:nvSpPr>
+        <p:spPr/>
+        <p:txBody>
+          <a:bodyPr/>
+          <a:lstStyle/>
+          <a:p>
+            <a:r>
+              <a:rPr lang="en-US" b="1" dirty="0"/>
+              <a:t>Apache POI </a:t>
+            </a:r>
+            <a:r>
+              <a:rPr lang="en-US" b="0" baseline="0" dirty="0"/>
+              <a:t> = </a:t>
+            </a:r>
+            <a:r>
+              <a:rPr lang="en-US" dirty="0"/>
+              <a:t>l</a:t>
+            </a:r>
+            <a:r>
+              <a:rPr lang="id-ID" sz="1200" b="0" i="0" u="none" strike="noStrike" kern="1200" baseline="0" dirty="0">
+                <a:solidFill>
+                  <a:schemeClr val="tx1"/>
+                </a:solidFill>
+                <a:latin typeface="+mn-lt"/>
+                <a:ea typeface="+mn-ea"/>
+                <a:cs typeface="+mn-cs"/>
+              </a:rPr>
+              <a:t>ibrary ini memungkinkan</a:t>
+            </a:r>
+            <a:r>
+              <a:rPr lang="en-US" sz="1200" b="0" i="0" u="none" strike="noStrike" kern="1200" baseline="0" dirty="0">
+                <a:solidFill>
+                  <a:schemeClr val="tx1"/>
+                </a:solidFill>
+                <a:latin typeface="+mn-lt"/>
+                <a:ea typeface="+mn-ea"/>
+                <a:cs typeface="+mn-cs"/>
+              </a:rPr>
+              <a:t> </a:t>
+            </a:r>
+            <a:r>
+              <a:rPr lang="es-ES" sz="1200" b="0" i="0" u="none" strike="noStrike" kern="1200" baseline="0" dirty="0" err="1">
+                <a:solidFill>
+                  <a:schemeClr val="tx1"/>
+                </a:solidFill>
+                <a:latin typeface="+mn-lt"/>
+                <a:ea typeface="+mn-ea"/>
+                <a:cs typeface="+mn-cs"/>
+              </a:rPr>
+              <a:t>untuk</a:t>
+            </a:r>
+            <a:r>
+              <a:rPr lang="es-ES" sz="1200" b="0" i="0" u="none" strike="noStrike" kern="1200" baseline="0" dirty="0">
+                <a:solidFill>
+                  <a:schemeClr val="tx1"/>
+                </a:solidFill>
+                <a:latin typeface="+mn-lt"/>
+                <a:ea typeface="+mn-ea"/>
+                <a:cs typeface="+mn-cs"/>
+              </a:rPr>
+              <a:t> </a:t>
+            </a:r>
+            <a:r>
+              <a:rPr lang="es-ES" sz="1200" b="0" i="0" u="none" strike="noStrike" kern="1200" baseline="0" dirty="0" err="1">
+                <a:solidFill>
+                  <a:schemeClr val="tx1"/>
+                </a:solidFill>
+                <a:latin typeface="+mn-lt"/>
+                <a:ea typeface="+mn-ea"/>
+                <a:cs typeface="+mn-cs"/>
+              </a:rPr>
+              <a:t>membaca</a:t>
+            </a:r>
+            <a:r>
+              <a:rPr lang="es-ES" sz="1200" b="0" i="0" u="none" strike="noStrike" kern="1200" baseline="0" dirty="0">
+                <a:solidFill>
+                  <a:schemeClr val="tx1"/>
+                </a:solidFill>
+                <a:latin typeface="+mn-lt"/>
+                <a:ea typeface="+mn-ea"/>
+                <a:cs typeface="+mn-cs"/>
+              </a:rPr>
+              <a:t> dan </a:t>
+            </a:r>
+            <a:r>
+              <a:rPr lang="es-ES" sz="1200" b="0" i="0" u="none" strike="noStrike" kern="1200" baseline="0" dirty="0" err="1">
+                <a:solidFill>
+                  <a:schemeClr val="tx1"/>
+                </a:solidFill>
+                <a:latin typeface="+mn-lt"/>
+                <a:ea typeface="+mn-ea"/>
+                <a:cs typeface="+mn-cs"/>
+              </a:rPr>
+              <a:t>menulis</a:t>
+            </a:r>
+            <a:r>
+              <a:rPr lang="es-ES" sz="1200" b="0" i="0" u="none" strike="noStrike" kern="1200" baseline="0" dirty="0">
+                <a:solidFill>
+                  <a:schemeClr val="tx1"/>
+                </a:solidFill>
+                <a:latin typeface="+mn-lt"/>
+                <a:ea typeface="+mn-ea"/>
+                <a:cs typeface="+mn-cs"/>
+              </a:rPr>
+              <a:t> pada MS Excel </a:t>
+            </a:r>
+            <a:r>
+              <a:rPr lang="es-ES" sz="1200" b="0" i="0" u="none" strike="noStrike" kern="1200" baseline="0" dirty="0" err="1">
+                <a:solidFill>
+                  <a:schemeClr val="tx1"/>
+                </a:solidFill>
+                <a:latin typeface="+mn-lt"/>
+                <a:ea typeface="+mn-ea"/>
+                <a:cs typeface="+mn-cs"/>
+              </a:rPr>
+              <a:t>menggunakan</a:t>
+            </a:r>
+            <a:r>
+              <a:rPr lang="es-ES" sz="1200" b="0" i="0" u="none" strike="noStrike" kern="1200" baseline="0" dirty="0">
+                <a:solidFill>
+                  <a:schemeClr val="tx1"/>
+                </a:solidFill>
+                <a:latin typeface="+mn-lt"/>
+                <a:ea typeface="+mn-ea"/>
+                <a:cs typeface="+mn-cs"/>
+              </a:rPr>
+              <a:t> Java.</a:t>
+            </a:r>
+          </a:p>
+          <a:p>
+            <a:r>
+              <a:rPr lang="id-ID" sz="1200" b="1" i="0" u="none" strike="noStrike" kern="1200" baseline="0" dirty="0">
+                <a:solidFill>
+                  <a:schemeClr val="tx1"/>
+                </a:solidFill>
+                <a:latin typeface="+mn-lt"/>
+                <a:ea typeface="+mn-ea"/>
+                <a:cs typeface="+mn-cs"/>
+              </a:rPr>
+              <a:t>HSSFWorkbook</a:t>
+            </a:r>
+            <a:r>
+              <a:rPr lang="en-US" sz="1200" b="1" i="0" u="none" strike="noStrike" kern="1200" baseline="0" dirty="0">
+                <a:solidFill>
+                  <a:schemeClr val="tx1"/>
+                </a:solidFill>
+                <a:latin typeface="+mn-lt"/>
+                <a:ea typeface="+mn-ea"/>
+                <a:cs typeface="+mn-cs"/>
+              </a:rPr>
+              <a:t> </a:t>
+            </a:r>
+            <a:r>
+              <a:rPr lang="en-US" sz="1200" b="0" i="0" u="none" strike="noStrike" kern="1200" baseline="0" dirty="0">
+                <a:solidFill>
+                  <a:schemeClr val="tx1"/>
+                </a:solidFill>
+                <a:latin typeface="+mn-lt"/>
+                <a:ea typeface="+mn-ea"/>
+                <a:cs typeface="+mn-cs"/>
+              </a:rPr>
+              <a:t> = </a:t>
+            </a:r>
+            <a:r>
+              <a:rPr lang="en-US" sz="1200" b="0" i="0" u="none" strike="noStrike" kern="1200" baseline="0" dirty="0" err="1">
+                <a:solidFill>
+                  <a:schemeClr val="tx1"/>
+                </a:solidFill>
+                <a:latin typeface="+mn-lt"/>
+                <a:ea typeface="+mn-ea"/>
+                <a:cs typeface="+mn-cs"/>
+              </a:rPr>
+              <a:t>Kelas</a:t>
+            </a:r>
+            <a:r>
+              <a:rPr lang="en-US" sz="1200" b="0" i="0" u="none" strike="noStrike" kern="1200" baseline="0" dirty="0">
+                <a:solidFill>
+                  <a:schemeClr val="tx1"/>
+                </a:solidFill>
+                <a:latin typeface="+mn-lt"/>
+                <a:ea typeface="+mn-ea"/>
+                <a:cs typeface="+mn-cs"/>
+              </a:rPr>
+              <a:t> </a:t>
+            </a:r>
+            <a:r>
+              <a:rPr lang="en-US" sz="1200" b="0" i="0" u="none" strike="noStrike" kern="1200" baseline="0" dirty="0" err="1">
+                <a:solidFill>
+                  <a:schemeClr val="tx1"/>
+                </a:solidFill>
+                <a:latin typeface="+mn-lt"/>
+                <a:ea typeface="+mn-ea"/>
+                <a:cs typeface="+mn-cs"/>
+              </a:rPr>
+              <a:t>membaca</a:t>
+            </a:r>
+            <a:r>
+              <a:rPr lang="en-US" sz="1200" b="0" i="0" u="none" strike="noStrike" kern="1200" baseline="0" dirty="0">
+                <a:solidFill>
+                  <a:schemeClr val="tx1"/>
+                </a:solidFill>
+                <a:latin typeface="+mn-lt"/>
+                <a:ea typeface="+mn-ea"/>
+                <a:cs typeface="+mn-cs"/>
+              </a:rPr>
+              <a:t> &amp; </a:t>
+            </a:r>
+            <a:r>
+              <a:rPr lang="en-US" sz="1200" b="0" i="0" u="none" strike="noStrike" kern="1200" baseline="0" dirty="0" err="1">
+                <a:solidFill>
+                  <a:schemeClr val="tx1"/>
+                </a:solidFill>
+                <a:latin typeface="+mn-lt"/>
+                <a:ea typeface="+mn-ea"/>
+                <a:cs typeface="+mn-cs"/>
+              </a:rPr>
+              <a:t>menulis</a:t>
+            </a:r>
+            <a:r>
+              <a:rPr lang="en-US" sz="1200" b="0" i="0" u="none" strike="noStrike" kern="1200" baseline="0" dirty="0">
+                <a:solidFill>
+                  <a:schemeClr val="tx1"/>
+                </a:solidFill>
+                <a:latin typeface="+mn-lt"/>
+                <a:ea typeface="+mn-ea"/>
+                <a:cs typeface="+mn-cs"/>
+              </a:rPr>
+              <a:t> di Excel 97-2003 .</a:t>
+            </a:r>
+            <a:r>
+              <a:rPr lang="en-US" sz="1200" b="0" i="0" u="none" strike="noStrike" kern="1200" baseline="0" dirty="0" err="1">
+                <a:solidFill>
+                  <a:schemeClr val="tx1"/>
+                </a:solidFill>
+                <a:latin typeface="+mn-lt"/>
+                <a:ea typeface="+mn-ea"/>
+                <a:cs typeface="+mn-cs"/>
+              </a:rPr>
+              <a:t>xls</a:t>
+            </a:r>
+            <a:endParaRPr lang="en-US" sz="1200" b="0" i="0" u="none" strike="noStrike" kern="1200" baseline="0" dirty="0">
+              <a:solidFill>
+                <a:schemeClr val="tx1"/>
+              </a:solidFill>
+              <a:latin typeface="+mn-lt"/>
+              <a:ea typeface="+mn-ea"/>
+              <a:cs typeface="+mn-cs"/>
+            </a:endParaRPr>
+          </a:p>
+          <a:p>
+            <a:r>
+              <a:rPr lang="en-US" sz="1200" b="1" i="0" u="none" strike="noStrike" kern="1200" baseline="0" dirty="0">
+                <a:solidFill>
+                  <a:schemeClr val="tx1"/>
+                </a:solidFill>
+                <a:latin typeface="+mn-lt"/>
+                <a:ea typeface="+mn-ea"/>
+                <a:cs typeface="+mn-cs"/>
+              </a:rPr>
+              <a:t>X</a:t>
+            </a:r>
+            <a:r>
+              <a:rPr lang="id-ID" sz="1200" b="1" i="0" u="none" strike="noStrike" kern="1200" baseline="0" dirty="0">
+                <a:solidFill>
+                  <a:schemeClr val="tx1"/>
+                </a:solidFill>
+                <a:latin typeface="+mn-lt"/>
+                <a:ea typeface="+mn-ea"/>
+                <a:cs typeface="+mn-cs"/>
+              </a:rPr>
+              <a:t>SSFWorkbook</a:t>
+            </a:r>
+            <a:r>
+              <a:rPr lang="en-US" sz="1200" b="1" i="0" u="none" strike="noStrike" kern="1200" baseline="0" dirty="0">
+                <a:solidFill>
+                  <a:schemeClr val="tx1"/>
+                </a:solidFill>
+                <a:latin typeface="+mn-lt"/>
+                <a:ea typeface="+mn-ea"/>
+                <a:cs typeface="+mn-cs"/>
+              </a:rPr>
+              <a:t>  = </a:t>
+            </a:r>
+            <a:r>
+              <a:rPr lang="id-ID" sz="1200" b="0" i="0" u="none" strike="noStrike" kern="1200" baseline="0" dirty="0">
+                <a:solidFill>
+                  <a:schemeClr val="tx1"/>
+                </a:solidFill>
+                <a:latin typeface="+mn-lt"/>
+                <a:ea typeface="+mn-ea"/>
+                <a:cs typeface="+mn-cs"/>
+              </a:rPr>
+              <a:t>menulis dan membaca Microsoft</a:t>
+            </a:r>
+            <a:r>
+              <a:rPr lang="en-US" sz="1200" b="0" i="0" u="none" strike="noStrike" kern="1200" baseline="0" dirty="0">
+                <a:solidFill>
+                  <a:schemeClr val="tx1"/>
+                </a:solidFill>
+                <a:latin typeface="+mn-lt"/>
+                <a:ea typeface="+mn-ea"/>
+                <a:cs typeface="+mn-cs"/>
+              </a:rPr>
+              <a:t> </a:t>
+            </a:r>
+            <a:r>
+              <a:rPr lang="id-ID" sz="1200" b="0" i="0" u="none" strike="noStrike" kern="1200" baseline="0" dirty="0">
+                <a:solidFill>
+                  <a:schemeClr val="tx1"/>
+                </a:solidFill>
+                <a:latin typeface="+mn-lt"/>
+                <a:ea typeface="+mn-ea"/>
+                <a:cs typeface="+mn-cs"/>
+              </a:rPr>
+              <a:t>Excel dan OpenOffice xml dengan format .xls atau .xlsx.</a:t>
+            </a:r>
+            <a:r>
+              <a:rPr lang="en-US" sz="1200" b="0" i="0" u="none" strike="noStrike" kern="1200" baseline="0" dirty="0">
+                <a:solidFill>
+                  <a:schemeClr val="tx1"/>
+                </a:solidFill>
+                <a:latin typeface="+mn-lt"/>
+                <a:ea typeface="+mn-ea"/>
+                <a:cs typeface="+mn-cs"/>
+              </a:rPr>
+              <a:t>. MS Excel 2007 </a:t>
+            </a:r>
+            <a:r>
+              <a:rPr lang="en-US" sz="1200" b="0" i="0" u="none" strike="noStrike" kern="1200" baseline="0" dirty="0" err="1">
+                <a:solidFill>
+                  <a:schemeClr val="tx1"/>
+                </a:solidFill>
+                <a:latin typeface="+mn-lt"/>
+                <a:ea typeface="+mn-ea"/>
+                <a:cs typeface="+mn-cs"/>
+              </a:rPr>
+              <a:t>dan</a:t>
+            </a:r>
+            <a:r>
+              <a:rPr lang="en-US" sz="1200" b="0" i="0" u="none" strike="noStrike" kern="1200" baseline="0" dirty="0">
+                <a:solidFill>
+                  <a:schemeClr val="tx1"/>
+                </a:solidFill>
+                <a:latin typeface="+mn-lt"/>
+                <a:ea typeface="+mn-ea"/>
+                <a:cs typeface="+mn-cs"/>
+              </a:rPr>
+              <a:t> </a:t>
+            </a:r>
+            <a:r>
+              <a:rPr lang="en-US" sz="1200" b="0" i="0" u="none" strike="noStrike" kern="1200" baseline="0" dirty="0" err="1">
+                <a:solidFill>
+                  <a:schemeClr val="tx1"/>
+                </a:solidFill>
+                <a:latin typeface="+mn-lt"/>
+                <a:ea typeface="+mn-ea"/>
+                <a:cs typeface="+mn-cs"/>
+              </a:rPr>
+              <a:t>terbaru</a:t>
+            </a:r>
+            <a:endParaRPr lang="en-US" sz="1200" b="0" i="0" u="none" strike="noStrike" kern="1200" baseline="0" dirty="0">
+              <a:solidFill>
+                <a:schemeClr val="tx1"/>
+              </a:solidFill>
+              <a:latin typeface="+mn-lt"/>
+              <a:ea typeface="+mn-ea"/>
+              <a:cs typeface="+mn-cs"/>
+            </a:endParaRPr>
+          </a:p>
+          <a:p>
+            <a:r>
+              <a:rPr lang="id-ID" sz="1200" b="1" i="0" u="none" strike="noStrike" kern="1200" baseline="0" dirty="0">
+                <a:solidFill>
+                  <a:schemeClr val="tx1"/>
+                </a:solidFill>
+                <a:latin typeface="+mn-lt"/>
+                <a:ea typeface="+mn-ea"/>
+                <a:cs typeface="+mn-cs"/>
+              </a:rPr>
+              <a:t>iCal4j</a:t>
+            </a:r>
+            <a:r>
+              <a:rPr lang="en-US" sz="1200" b="1" i="0" u="none" strike="noStrike" kern="1200" baseline="0" dirty="0">
+                <a:solidFill>
+                  <a:schemeClr val="tx1"/>
+                </a:solidFill>
+                <a:latin typeface="+mn-lt"/>
+                <a:ea typeface="+mn-ea"/>
+                <a:cs typeface="+mn-cs"/>
+              </a:rPr>
+              <a:t> = </a:t>
+            </a:r>
+            <a:r>
+              <a:rPr lang="id-ID" sz="1200" b="0" i="1" u="none" strike="noStrike" kern="1200" baseline="0" dirty="0">
+                <a:solidFill>
+                  <a:schemeClr val="tx1"/>
+                </a:solidFill>
+                <a:latin typeface="+mn-lt"/>
+                <a:ea typeface="+mn-ea"/>
+                <a:cs typeface="+mn-cs"/>
+              </a:rPr>
+              <a:t>Java library </a:t>
+            </a:r>
+            <a:r>
+              <a:rPr lang="id-ID" sz="1200" b="0" i="0" u="none" strike="noStrike" kern="1200" baseline="0" dirty="0">
+                <a:solidFill>
+                  <a:schemeClr val="tx1"/>
+                </a:solidFill>
+                <a:latin typeface="+mn-lt"/>
+                <a:ea typeface="+mn-ea"/>
+                <a:cs typeface="+mn-cs"/>
+              </a:rPr>
+              <a:t>yang digunakan untuk membaca dan menulis data iCalendar</a:t>
+            </a:r>
+            <a:r>
+              <a:rPr lang="en-US" sz="1200" b="0" i="0" u="none" strike="noStrike" kern="1200" baseline="0" dirty="0">
+                <a:solidFill>
+                  <a:schemeClr val="tx1"/>
+                </a:solidFill>
+                <a:latin typeface="+mn-lt"/>
+                <a:ea typeface="+mn-ea"/>
+                <a:cs typeface="+mn-cs"/>
+              </a:rPr>
+              <a:t>. </a:t>
+            </a:r>
+            <a:r>
+              <a:rPr lang="en-US" sz="1200" b="0" i="0" u="none" strike="noStrike" kern="1200" baseline="0" dirty="0" err="1">
+                <a:solidFill>
+                  <a:schemeClr val="tx1"/>
+                </a:solidFill>
+                <a:latin typeface="+mn-lt"/>
+                <a:ea typeface="+mn-ea"/>
+                <a:cs typeface="+mn-cs"/>
+              </a:rPr>
+              <a:t>Menyediakan</a:t>
+            </a:r>
+            <a:r>
+              <a:rPr lang="en-US" sz="1200" b="0" i="0" u="none" strike="noStrike" kern="1200" baseline="0" dirty="0">
+                <a:solidFill>
+                  <a:schemeClr val="tx1"/>
+                </a:solidFill>
+                <a:latin typeface="+mn-lt"/>
+                <a:ea typeface="+mn-ea"/>
+                <a:cs typeface="+mn-cs"/>
+              </a:rPr>
+              <a:t> format </a:t>
+            </a:r>
+            <a:r>
+              <a:rPr lang="en-US" sz="1200" b="0" i="0" u="none" strike="noStrike" kern="1200" baseline="0" dirty="0" err="1">
+                <a:solidFill>
+                  <a:schemeClr val="tx1"/>
+                </a:solidFill>
+                <a:latin typeface="+mn-lt"/>
+                <a:ea typeface="+mn-ea"/>
+                <a:cs typeface="+mn-cs"/>
+              </a:rPr>
+              <a:t>umum</a:t>
+            </a:r>
+            <a:r>
+              <a:rPr lang="en-US" sz="1200" b="0" i="0" u="none" strike="noStrike" kern="1200" baseline="0" dirty="0">
+                <a:solidFill>
+                  <a:schemeClr val="tx1"/>
+                </a:solidFill>
+                <a:latin typeface="+mn-lt"/>
+                <a:ea typeface="+mn-ea"/>
+                <a:cs typeface="+mn-cs"/>
+              </a:rPr>
+              <a:t> </a:t>
+            </a:r>
+            <a:r>
+              <a:rPr lang="en-US" sz="1200" b="0" i="0" u="none" strike="noStrike" kern="1200" baseline="0" dirty="0" err="1">
+                <a:solidFill>
+                  <a:schemeClr val="tx1"/>
+                </a:solidFill>
+                <a:latin typeface="+mn-lt"/>
+                <a:ea typeface="+mn-ea"/>
+                <a:cs typeface="+mn-cs"/>
+              </a:rPr>
+              <a:t>untuk</a:t>
+            </a:r>
+            <a:r>
+              <a:rPr lang="en-US" sz="1200" b="0" i="0" u="none" strike="noStrike" kern="1200" baseline="0" dirty="0">
+                <a:solidFill>
+                  <a:schemeClr val="tx1"/>
+                </a:solidFill>
+                <a:latin typeface="+mn-lt"/>
+                <a:ea typeface="+mn-ea"/>
+                <a:cs typeface="+mn-cs"/>
+              </a:rPr>
+              <a:t> </a:t>
+            </a:r>
+            <a:r>
+              <a:rPr lang="en-US" sz="1200" b="0" i="0" u="none" strike="noStrike" kern="1200" baseline="0" dirty="0" err="1">
+                <a:solidFill>
+                  <a:schemeClr val="tx1"/>
+                </a:solidFill>
+                <a:latin typeface="+mn-lt"/>
+                <a:ea typeface="+mn-ea"/>
+                <a:cs typeface="+mn-cs"/>
+              </a:rPr>
+              <a:t>menyimpan</a:t>
+            </a:r>
+            <a:r>
+              <a:rPr lang="en-US" sz="1200" b="0" i="0" u="none" strike="noStrike" kern="1200" baseline="0" dirty="0">
+                <a:solidFill>
+                  <a:schemeClr val="tx1"/>
+                </a:solidFill>
+                <a:latin typeface="+mn-lt"/>
+                <a:ea typeface="+mn-ea"/>
+                <a:cs typeface="+mn-cs"/>
+              </a:rPr>
+              <a:t> data </a:t>
+            </a:r>
+            <a:r>
+              <a:rPr lang="id-ID" sz="1200" b="0" i="0" u="none" strike="noStrike" kern="1200" baseline="0" dirty="0">
+                <a:solidFill>
+                  <a:schemeClr val="tx1"/>
+                </a:solidFill>
+                <a:latin typeface="+mn-lt"/>
+                <a:ea typeface="+mn-ea"/>
+                <a:cs typeface="+mn-cs"/>
+              </a:rPr>
+              <a:t>acara, pertemuan, </a:t>
+            </a:r>
+            <a:r>
+              <a:rPr lang="id-ID" sz="1200" b="0" i="1" u="none" strike="noStrike" kern="1200" baseline="0" dirty="0">
+                <a:solidFill>
+                  <a:schemeClr val="tx1"/>
+                </a:solidFill>
+                <a:latin typeface="+mn-lt"/>
+                <a:ea typeface="+mn-ea"/>
+                <a:cs typeface="+mn-cs"/>
+              </a:rPr>
+              <a:t>to-do list</a:t>
+            </a:r>
+            <a:r>
+              <a:rPr lang="id-ID" sz="1200" b="0" i="0" u="none" strike="noStrike" kern="1200" baseline="0" dirty="0">
+                <a:solidFill>
+                  <a:schemeClr val="tx1"/>
+                </a:solidFill>
+                <a:latin typeface="+mn-lt"/>
+                <a:ea typeface="+mn-ea"/>
+                <a:cs typeface="+mn-cs"/>
+              </a:rPr>
+              <a:t>,</a:t>
+            </a:r>
+            <a:endParaRPr lang="en-US" sz="1200" b="0" i="0" u="none" strike="noStrike" kern="1200" baseline="0" dirty="0">
+              <a:solidFill>
+                <a:schemeClr val="tx1"/>
+              </a:solidFill>
+              <a:latin typeface="+mn-lt"/>
+              <a:ea typeface="+mn-ea"/>
+              <a:cs typeface="+mn-cs"/>
+            </a:endParaRPr>
+          </a:p>
+          <a:p>
+            <a:r>
+              <a:rPr lang="id-ID" sz="1200" b="1" i="0" u="none" strike="noStrike" kern="1200" baseline="0" dirty="0">
+                <a:solidFill>
+                  <a:schemeClr val="tx1"/>
+                </a:solidFill>
+                <a:latin typeface="+mn-lt"/>
+                <a:ea typeface="+mn-ea"/>
+                <a:cs typeface="+mn-cs"/>
+              </a:rPr>
+              <a:t>JavaFX </a:t>
+            </a:r>
+            <a:r>
+              <a:rPr lang="en-US" sz="1200" b="1" i="0" u="none" strike="noStrike" kern="1200" baseline="0" dirty="0">
+                <a:solidFill>
+                  <a:schemeClr val="tx1"/>
+                </a:solidFill>
+                <a:latin typeface="+mn-lt"/>
+                <a:ea typeface="+mn-ea"/>
+                <a:cs typeface="+mn-cs"/>
+              </a:rPr>
+              <a:t>= </a:t>
+            </a:r>
+            <a:r>
+              <a:rPr lang="id-ID" sz="1200" b="0" i="0" u="none" strike="noStrike" kern="1200" baseline="0" dirty="0">
+                <a:solidFill>
+                  <a:schemeClr val="tx1"/>
+                </a:solidFill>
+                <a:latin typeface="+mn-lt"/>
+                <a:ea typeface="+mn-ea"/>
+                <a:cs typeface="+mn-cs"/>
+              </a:rPr>
+              <a:t>salah satu teknologi dari Java yang diperuntukan untuk membangun atau merancang aplikasi yang kaya dengan konten multimedia seperti: Grafis; Sound; Effect Grafis; dan Video </a:t>
+            </a:r>
+            <a:endParaRPr lang="es-ES" sz="1200" b="0" i="0" u="none" strike="noStrike" kern="1200" baseline="0" dirty="0">
+              <a:solidFill>
+                <a:schemeClr val="tx1"/>
+              </a:solidFill>
+              <a:latin typeface="+mn-lt"/>
+              <a:ea typeface="+mn-ea"/>
+              <a:cs typeface="+mn-cs"/>
+            </a:endParaRPr>
+          </a:p>
+          <a:p>
+            <a:endParaRPr lang="id-ID" dirty="0"/>
+          </a:p>
+        </p:txBody>
+      </p:sp>
+      <p:sp>
+        <p:nvSpPr>
+          <p:cNvPr id="4" name="Slide Number Placeholder 3"/>
+          <p:cNvSpPr>
+            <a:spLocks noGrp="1"/>
+          </p:cNvSpPr>
+          <p:nvPr>
+            <p:ph type="sldNum" sz="quarter" idx="10"/>
+          </p:nvPr>
+        </p:nvSpPr>
+        <p:spPr/>
+        <p:txBody>
+          <a:bodyPr/>
+          <a:lstStyle/>
+          <a:p>
+            <a:fld id="{4CC5A580-0E24-44E6-90F6-12D257CD7D6B}" type="slidenum">
+              <a:rPr lang="id-ID" smtClean="0"/>
+              <a:t>5</a:t>
+            </a:fld>
+            <a:endParaRPr lang="id-ID"/>
+          </a:p>
+        </p:txBody>
+      </p:sp>
+    </p:spTree>
+    <p:extLst>
+      <p:ext uri="{BB962C8B-B14F-4D97-AF65-F5344CB8AC3E}">
+        <p14:creationId xmlns:p14="http://schemas.microsoft.com/office/powerpoint/2010/main" val="3605869731"/>
+      </p:ext>
+    </p:extLst>
+  </p:cSld>
+  <p:clrMapOvr>
+    <a:masterClrMapping/>
+  </p:clrMapOvr>
+</p:notes>
+</file>
+
+<file path=ppt/notesSlides/notesSlide3.xml><?xml version="1.0" encoding="utf-8"?>
+<p:notes xmlns:a="http://schemas.openxmlformats.org/drawingml/2006/main" xmlns:r="http://schemas.openxmlformats.org/officeDocument/2006/relationships" xmlns:p="http://schemas.openxmlformats.org/presentationml/2006/main">
+  <p:cSld>
+    <p:spTree>
+      <p:nvGrpSpPr>
+        <p:cNvPr id="1" name=""/>
+        <p:cNvGrpSpPr/>
+        <p:nvPr/>
+      </p:nvGrpSpPr>
+      <p:grpSpPr>
+        <a:xfrm>
+          <a:off x="0" y="0"/>
+          <a:ext cx="0" cy="0"/>
+          <a:chOff x="0" y="0"/>
+          <a:chExt cx="0" cy="0"/>
+        </a:xfrm>
+      </p:grpSpPr>
+      <p:sp>
+        <p:nvSpPr>
+          <p:cNvPr id="2" name="Slide Image Placeholder 1"/>
+          <p:cNvSpPr>
+            <a:spLocks noGrp="1" noRot="1" noChangeAspect="1"/>
+          </p:cNvSpPr>
+          <p:nvPr>
+            <p:ph type="sldImg"/>
+          </p:nvPr>
+        </p:nvSpPr>
+        <p:spPr/>
+      </p:sp>
+      <p:sp>
+        <p:nvSpPr>
+          <p:cNvPr id="3" name="Notes Placeholder 2"/>
+          <p:cNvSpPr>
+            <a:spLocks noGrp="1"/>
+          </p:cNvSpPr>
+          <p:nvPr>
+            <p:ph type="body" idx="1"/>
+          </p:nvPr>
+        </p:nvSpPr>
+        <p:spPr/>
+        <p:txBody>
+          <a:bodyPr/>
+          <a:lstStyle/>
+          <a:p>
+            <a:endParaRPr lang="id-ID" dirty="0"/>
+          </a:p>
+        </p:txBody>
+      </p:sp>
+      <p:sp>
+        <p:nvSpPr>
+          <p:cNvPr id="4" name="Slide Number Placeholder 3"/>
+          <p:cNvSpPr>
+            <a:spLocks noGrp="1"/>
+          </p:cNvSpPr>
+          <p:nvPr>
+            <p:ph type="sldNum" sz="quarter" idx="10"/>
+          </p:nvPr>
+        </p:nvSpPr>
+        <p:spPr/>
+        <p:txBody>
+          <a:bodyPr/>
+          <a:lstStyle/>
+          <a:p>
+            <a:fld id="{4CC5A580-0E24-44E6-90F6-12D257CD7D6B}" type="slidenum">
+              <a:rPr lang="id-ID" smtClean="0"/>
+              <a:t>6</a:t>
+            </a:fld>
+            <a:endParaRPr lang="id-ID"/>
+          </a:p>
+        </p:txBody>
+      </p:sp>
+    </p:spTree>
+    <p:extLst>
+      <p:ext uri="{BB962C8B-B14F-4D97-AF65-F5344CB8AC3E}">
+        <p14:creationId xmlns:p14="http://schemas.microsoft.com/office/powerpoint/2010/main" val="660665320"/>
+      </p:ext>
+    </p:extLst>
+  </p:cSld>
+  <p:clrMapOvr>
+    <a:masterClrMapping/>
+  </p:clrMapOvr>
+</p:notes>
+</file>
+
+<file path=ppt/notesSlides/notesSlide4.xml><?xml version="1.0" encoding="utf-8"?>
+<p:notes xmlns:a="http://schemas.openxmlformats.org/drawingml/2006/main" xmlns:r="http://schemas.openxmlformats.org/officeDocument/2006/relationships" xmlns:p="http://schemas.openxmlformats.org/presentationml/2006/main">
+  <p:cSld>
+    <p:spTree>
+      <p:nvGrpSpPr>
+        <p:cNvPr id="1" name=""/>
+        <p:cNvGrpSpPr/>
+        <p:nvPr/>
+      </p:nvGrpSpPr>
+      <p:grpSpPr>
+        <a:xfrm>
+          <a:off x="0" y="0"/>
+          <a:ext cx="0" cy="0"/>
+          <a:chOff x="0" y="0"/>
+          <a:chExt cx="0" cy="0"/>
+        </a:xfrm>
+      </p:grpSpPr>
+      <p:sp>
+        <p:nvSpPr>
+          <p:cNvPr id="2" name="Slide Image Placeholder 1"/>
+          <p:cNvSpPr>
+            <a:spLocks noGrp="1" noRot="1" noChangeAspect="1"/>
+          </p:cNvSpPr>
+          <p:nvPr>
+            <p:ph type="sldImg"/>
+          </p:nvPr>
+        </p:nvSpPr>
+        <p:spPr/>
+      </p:sp>
+      <p:sp>
+        <p:nvSpPr>
+          <p:cNvPr id="3" name="Notes Placeholder 2"/>
+          <p:cNvSpPr>
+            <a:spLocks noGrp="1"/>
+          </p:cNvSpPr>
+          <p:nvPr>
+            <p:ph type="body" idx="1"/>
+          </p:nvPr>
+        </p:nvSpPr>
+        <p:spPr/>
+        <p:txBody>
+          <a:bodyPr/>
+          <a:lstStyle/>
+          <a:p>
             <a:endParaRPr lang="id-ID" dirty="0"/>
           </a:p>
         </p:txBody>
@@ -560,6 +1446,90 @@
     <p:extLst>
       <p:ext uri="{BB962C8B-B14F-4D97-AF65-F5344CB8AC3E}">
         <p14:creationId xmlns:p14="http://schemas.microsoft.com/office/powerpoint/2010/main" val="995486706"/>
+      </p:ext>
+    </p:extLst>
+  </p:cSld>
+  <p:clrMapOvr>
+    <a:masterClrMapping/>
+  </p:clrMapOvr>
+</p:notes>
+</file>
+
+<file path=ppt/notesSlides/notesSlide5.xml><?xml version="1.0" encoding="utf-8"?>
+<p:notes xmlns:a="http://schemas.openxmlformats.org/drawingml/2006/main" xmlns:r="http://schemas.openxmlformats.org/officeDocument/2006/relationships" xmlns:p="http://schemas.openxmlformats.org/presentationml/2006/main">
+  <p:cSld>
+    <p:spTree>
+      <p:nvGrpSpPr>
+        <p:cNvPr id="1" name=""/>
+        <p:cNvGrpSpPr/>
+        <p:nvPr/>
+      </p:nvGrpSpPr>
+      <p:grpSpPr>
+        <a:xfrm>
+          <a:off x="0" y="0"/>
+          <a:ext cx="0" cy="0"/>
+          <a:chOff x="0" y="0"/>
+          <a:chExt cx="0" cy="0"/>
+        </a:xfrm>
+      </p:grpSpPr>
+      <p:sp>
+        <p:nvSpPr>
+          <p:cNvPr id="2" name="Slide Image Placeholder 1"/>
+          <p:cNvSpPr>
+            <a:spLocks noGrp="1" noRot="1" noChangeAspect="1"/>
+          </p:cNvSpPr>
+          <p:nvPr>
+            <p:ph type="sldImg"/>
+          </p:nvPr>
+        </p:nvSpPr>
+        <p:spPr/>
+      </p:sp>
+      <p:sp>
+        <p:nvSpPr>
+          <p:cNvPr id="3" name="Notes Placeholder 2"/>
+          <p:cNvSpPr>
+            <a:spLocks noGrp="1"/>
+          </p:cNvSpPr>
+          <p:nvPr>
+            <p:ph type="body" idx="1"/>
+          </p:nvPr>
+        </p:nvSpPr>
+        <p:spPr/>
+        <p:txBody>
+          <a:bodyPr/>
+          <a:lstStyle/>
+          <a:p>
+            <a:endParaRPr lang="id-ID" dirty="0"/>
+          </a:p>
+        </p:txBody>
+      </p:sp>
+      <p:sp>
+        <p:nvSpPr>
+          <p:cNvPr id="4" name="Slide Number Placeholder 3"/>
+          <p:cNvSpPr>
+            <a:spLocks noGrp="1"/>
+          </p:cNvSpPr>
+          <p:nvPr>
+            <p:ph type="sldNum" sz="quarter" idx="10"/>
+          </p:nvPr>
+        </p:nvSpPr>
+        <p:spPr/>
+        <p:txBody>
+          <a:bodyPr/>
+          <a:lstStyle/>
+          <a:p>
+            <a:fld id="{4CC5A580-0E24-44E6-90F6-12D257CD7D6B}" type="slidenum">
+              <a:rPr lang="id-ID" smtClean="0"/>
+              <a:t>21</a:t>
+            </a:fld>
+            <a:endParaRPr lang="id-ID"/>
+          </a:p>
+        </p:txBody>
+      </p:sp>
+    </p:spTree>
+    <p:extLst>
+      <p:ext uri="{BB962C8B-B14F-4D97-AF65-F5344CB8AC3E}">
+        <p14:creationId xmlns:p14="http://schemas.microsoft.com/office/powerpoint/2010/main" val="3911234285"/>
       </p:ext>
     </p:extLst>
   </p:cSld>
@@ -972,7 +1942,7 @@
           <a:p>
             <a:fld id="{83284890-85D2-4D7B-8EF5-15A9C1DB8F42}" type="datetimeFigureOut">
               <a:rPr lang="en-US" dirty="0"/>
-              <a:t>12/3/2016</a:t>
+              <a:t>12/12/2016</a:t>
             </a:fld>
             <a:endParaRPr lang="en-US" dirty="0"/>
           </a:p>
@@ -1147,7 +2117,7 @@
           <a:p>
             <a:fld id="{87157CC2-0FC8-4686-B024-99790E0F5162}" type="datetimeFigureOut">
               <a:rPr lang="en-US" dirty="0"/>
-              <a:t>12/3/2016</a:t>
+              <a:t>12/12/2016</a:t>
             </a:fld>
             <a:endParaRPr lang="en-US" dirty="0"/>
           </a:p>
@@ -1322,7 +2292,7 @@
           <a:p>
             <a:fld id="{F6764DA5-CD3D-4590-A511-FCD3BC7A793E}" type="datetimeFigureOut">
               <a:rPr lang="en-US" dirty="0"/>
-              <a:t>12/3/2016</a:t>
+              <a:t>12/12/2016</a:t>
             </a:fld>
             <a:endParaRPr lang="en-US" dirty="0"/>
           </a:p>
@@ -1487,7 +2457,7 @@
           <a:p>
             <a:fld id="{82F5661D-6934-4B32-B92C-470368BF1EC6}" type="datetimeFigureOut">
               <a:rPr lang="en-US" dirty="0"/>
-              <a:t>12/3/2016</a:t>
+              <a:t>12/12/2016</a:t>
             </a:fld>
             <a:endParaRPr lang="en-US" dirty="0"/>
           </a:p>
@@ -1795,7 +2765,7 @@
           <a:p>
             <a:fld id="{C6F822A4-8DA6-4447-9B1F-C5DB58435268}" type="datetimeFigureOut">
               <a:rPr lang="en-US" dirty="0"/>
-              <a:t>12/3/2016</a:t>
+              <a:t>12/12/2016</a:t>
             </a:fld>
             <a:endParaRPr lang="en-US" dirty="0"/>
           </a:p>
@@ -2177,7 +3147,7 @@
           <a:p>
             <a:fld id="{E548D31E-DCDA-41A7-9C67-C4B11B94D21D}" type="datetimeFigureOut">
               <a:rPr lang="en-US" dirty="0"/>
-              <a:t>12/3/2016</a:t>
+              <a:t>12/12/2016</a:t>
             </a:fld>
             <a:endParaRPr lang="en-US" dirty="0"/>
           </a:p>
@@ -2606,7 +3576,7 @@
           <a:p>
             <a:fld id="{9B3762C0-B258-48F1-ADE6-176B4174CCDD}" type="datetimeFigureOut">
               <a:rPr lang="en-US" dirty="0"/>
-              <a:t>12/3/2016</a:t>
+              <a:t>12/12/2016</a:t>
             </a:fld>
             <a:endParaRPr lang="en-US" dirty="0"/>
           </a:p>
@@ -2719,7 +3689,7 @@
           <a:p>
             <a:fld id="{677919A6-33EB-49BD-A62F-1FA56B9F9712}" type="datetimeFigureOut">
               <a:rPr lang="en-US" dirty="0"/>
-              <a:t>12/3/2016</a:t>
+              <a:t>12/12/2016</a:t>
             </a:fld>
             <a:endParaRPr lang="en-US" dirty="0"/>
           </a:p>
@@ -2809,7 +3779,7 @@
           <a:p>
             <a:fld id="{CA4E7D1B-D673-4CF6-8672-009D42ABD2A0}" type="datetimeFigureOut">
               <a:rPr lang="en-US" dirty="0"/>
-              <a:t>12/3/2016</a:t>
+              <a:t>12/12/2016</a:t>
             </a:fld>
             <a:endParaRPr lang="en-US" dirty="0"/>
           </a:p>
@@ -3154,7 +4124,7 @@
           <a:p>
             <a:fld id="{DA16AA21-1863-4931-97CB-99D0A168701B}" type="datetimeFigureOut">
               <a:rPr lang="en-US" dirty="0"/>
-              <a:t>12/3/2016</a:t>
+              <a:t>12/12/2016</a:t>
             </a:fld>
             <a:endParaRPr lang="en-US" dirty="0"/>
           </a:p>
@@ -3574,7 +4544,7 @@
           <a:p>
             <a:fld id="{3772C379-9A7C-4C87-A116-CBE9F58B04C5}" type="datetimeFigureOut">
               <a:rPr lang="en-US" dirty="0"/>
-              <a:t>12/3/2016</a:t>
+              <a:t>12/12/2016</a:t>
             </a:fld>
             <a:endParaRPr lang="en-US" dirty="0"/>
           </a:p>
@@ -3850,7 +4820,7 @@
           <a:p>
             <a:fld id="{8664C608-40B1-4030-A28D-5B74BC98ADCE}" type="datetimeFigureOut">
               <a:rPr lang="en-US" dirty="0"/>
-              <a:t>12/3/2016</a:t>
+              <a:t>12/12/2016</a:t>
             </a:fld>
             <a:endParaRPr lang="en-US" dirty="0"/>
           </a:p>
@@ -4685,17 +5655,36 @@
             </a:pPr>
             <a:r>
               <a:rPr lang="id-ID" dirty="0"/>
-              <a:t> menampilkannya</a:t>
-            </a:r>
-            <a:r>
-              <a:rPr lang="en-US" dirty="0"/>
               <a:t> </a:t>
             </a:r>
             <a:r>
-              <a:rPr lang="id-ID" dirty="0"/>
-              <a:t>kembali ke program </a:t>
-            </a:r>
-            <a:endParaRPr lang="en-US" dirty="0"/>
+              <a:rPr lang="en-US" dirty="0" err="1"/>
+              <a:t>melakukan</a:t>
+            </a:r>
+            <a:r>
+              <a:rPr lang="en-US" dirty="0"/>
+              <a:t> </a:t>
+            </a:r>
+            <a:r>
+              <a:rPr lang="en-US" i="1" dirty="0"/>
+              <a:t>sorting </a:t>
+            </a:r>
+            <a:r>
+              <a:rPr lang="en-US" dirty="0" err="1"/>
+              <a:t>nama</a:t>
+            </a:r>
+            <a:r>
+              <a:rPr lang="en-US" dirty="0"/>
+              <a:t> </a:t>
+            </a:r>
+            <a:r>
+              <a:rPr lang="en-US" dirty="0" err="1"/>
+              <a:t>dosen</a:t>
+            </a:r>
+            <a:r>
+              <a:rPr lang="en-US" dirty="0"/>
+              <a:t>.			</a:t>
+            </a:r>
           </a:p>
           <a:p>
             <a:pPr marL="457200" indent="-457200">
@@ -4726,7 +5715,15 @@
             </a:r>
             <a:r>
               <a:rPr lang="id-ID" dirty="0"/>
-              <a:t>Kelas ini berfungsi mengkonversi file yang telah dibaca kedala format .ics atau iCalendar.</a:t>
+              <a:t>Kelas ini berfungsi mengkonversi file yang telah dibaca kedala</a:t>
+            </a:r>
+            <a:r>
+              <a:rPr lang="en-US" dirty="0"/>
+              <a:t>m</a:t>
+            </a:r>
+            <a:r>
+              <a:rPr lang="id-ID" dirty="0"/>
+              <a:t> format .ics atau iCalendar.</a:t>
             </a:r>
           </a:p>
           <a:p>
@@ -5207,16 +6204,45 @@
             </a:r>
             <a:r>
               <a:rPr lang="en-US" dirty="0" err="1"/>
-              <a:t>membaca</a:t>
+              <a:t>menampilkan</a:t>
             </a:r>
             <a:r>
               <a:rPr lang="en-US" dirty="0"/>
               <a:t> </a:t>
             </a:r>
             <a:r>
-              <a:rPr lang="id-ID" dirty="0"/>
-              <a:t>ile excel</a:t>
-            </a:r>
+              <a:rPr lang="en-US" dirty="0" err="1"/>
+              <a:t>hasil</a:t>
+            </a:r>
+            <a:r>
+              <a:rPr lang="en-US" dirty="0"/>
+              <a:t> </a:t>
+            </a:r>
+            <a:r>
+              <a:rPr lang="en-US" dirty="0" err="1"/>
+              <a:t>ExcelConverter</a:t>
+            </a:r>
+            <a:r>
+              <a:rPr lang="en-US" dirty="0"/>
+              <a:t> </a:t>
+            </a:r>
+            <a:r>
+              <a:rPr lang="en-US" dirty="0" err="1"/>
+              <a:t>ke</a:t>
+            </a:r>
+            <a:r>
+              <a:rPr lang="en-US" dirty="0"/>
+              <a:t> </a:t>
+            </a:r>
+            <a:r>
+              <a:rPr lang="en-US" dirty="0" err="1"/>
+              <a:t>layar</a:t>
+            </a:r>
+            <a:r>
+              <a:rPr lang="en-US" dirty="0"/>
+              <a:t>.</a:t>
+            </a:r>
+            <a:endParaRPr lang="id-ID" dirty="0"/>
           </a:p>
           <a:p>
             <a:r>
@@ -5300,9 +6326,42 @@
               <a:t> </a:t>
             </a:r>
             <a:r>
-              <a:rPr lang="id-ID" dirty="0"/>
-              <a:t>Menginisiasi list filteredData</a:t>
-            </a:r>
+              <a:rPr lang="en-US" dirty="0" err="1"/>
+              <a:t>Mengupdate</a:t>
+            </a:r>
+            <a:r>
+              <a:rPr lang="en-US" dirty="0"/>
+              <a:t> List </a:t>
+            </a:r>
+            <a:r>
+              <a:rPr lang="en-US" dirty="0" err="1"/>
+              <a:t>FilterData</a:t>
+            </a:r>
+            <a:r>
+              <a:rPr lang="en-US" dirty="0"/>
+              <a:t> </a:t>
+            </a:r>
+            <a:r>
+              <a:rPr lang="en-US" dirty="0" err="1"/>
+              <a:t>sesuai</a:t>
+            </a:r>
+            <a:r>
+              <a:rPr lang="en-US" dirty="0"/>
+              <a:t> </a:t>
+            </a:r>
+            <a:r>
+              <a:rPr lang="en-US" dirty="0" err="1"/>
+              <a:t>masukan</a:t>
+            </a:r>
+            <a:r>
+              <a:rPr lang="en-US" dirty="0"/>
+              <a:t> </a:t>
+            </a:r>
+            <a:r>
+              <a:rPr lang="en-US" dirty="0" err="1"/>
+              <a:t>pengguna</a:t>
+            </a:r>
+            <a:endParaRPr lang="id-ID" dirty="0"/>
           </a:p>
           <a:p>
             <a:r>
@@ -6753,7 +7812,7 @@
           <p:nvPr/>
         </p:nvPicPr>
         <p:blipFill>
-          <a:blip r:embed="rId2"/>
+          <a:blip r:embed="rId3"/>
           <a:stretch>
             <a:fillRect/>
           </a:stretch>
@@ -6770,6 +7829,30 @@
       </p:pic>
       <p:pic>
         <p:nvPicPr>
+          <p:cNvPr id="3" name="Picture 2"/>
+          <p:cNvPicPr>
+            <a:picLocks noChangeAspect="1"/>
+          </p:cNvPicPr>
+          <p:nvPr/>
+        </p:nvPicPr>
+        <p:blipFill>
+          <a:blip r:embed="rId4"/>
+          <a:stretch>
+            <a:fillRect/>
+          </a:stretch>
+        </p:blipFill>
+        <p:spPr>
+          <a:xfrm>
+            <a:off x="1311965" y="1147762"/>
+            <a:ext cx="8584510" cy="5152858"/>
+          </a:xfrm>
+          <a:prstGeom prst="rect">
+            <a:avLst/>
+          </a:prstGeom>
+        </p:spPr>
+      </p:pic>
+      <p:pic>
+        <p:nvPicPr>
           <p:cNvPr id="4" name="Content Placeholder 3"/>
           <p:cNvPicPr>
             <a:picLocks noGrp="1" noChangeAspect="1"/>
@@ -6779,7 +7862,7 @@
           </p:nvPr>
         </p:nvPicPr>
         <p:blipFill>
-          <a:blip r:embed="rId3"/>
+          <a:blip r:embed="rId5"/>
           <a:stretch>
             <a:fillRect/>
           </a:stretch>
@@ -6977,7 +8060,7 @@
                             </p:stCondLst>
                             <p:childTnLst>
                               <p:par>
-                                <p:cTn id="17" presetID="31" presetClass="entr" presetSubtype="0" fill="hold" nodeType="clickEffect">
+                                <p:cTn id="17" presetID="16" presetClass="entr" presetSubtype="21" fill="hold" nodeType="clickEffect">
                                   <p:stCondLst>
                                     <p:cond delay="0"/>
                                   </p:stCondLst>
@@ -6985,6 +8068,59 @@
                                     <p:set>
                                       <p:cBhvr>
                                         <p:cTn id="18" dur="1" fill="hold">
+                                          <p:stCondLst>
+                                            <p:cond delay="0"/>
+                                          </p:stCondLst>
+                                        </p:cTn>
+                                        <p:tgtEl>
+                                          <p:spTgt spid="3"/>
+                                        </p:tgtEl>
+                                        <p:attrNameLst>
+                                          <p:attrName>style.visibility</p:attrName>
+                                        </p:attrNameLst>
+                                      </p:cBhvr>
+                                      <p:to>
+                                        <p:strVal val="visible"/>
+                                      </p:to>
+                                    </p:set>
+                                    <p:animEffect transition="in" filter="barn(inVertical)">
+                                      <p:cBhvr>
+                                        <p:cTn id="19" dur="500"/>
+                                        <p:tgtEl>
+                                          <p:spTgt spid="3"/>
+                                        </p:tgtEl>
+                                      </p:cBhvr>
+                                    </p:animEffect>
+                                  </p:childTnLst>
+                                </p:cTn>
+                              </p:par>
+                            </p:childTnLst>
+                          </p:cTn>
+                        </p:par>
+                      </p:childTnLst>
+                    </p:cTn>
+                  </p:par>
+                  <p:par>
+                    <p:cTn id="20" fill="hold">
+                      <p:stCondLst>
+                        <p:cond delay="indefinite"/>
+                      </p:stCondLst>
+                      <p:childTnLst>
+                        <p:par>
+                          <p:cTn id="21" fill="hold">
+                            <p:stCondLst>
+                              <p:cond delay="0"/>
+                            </p:stCondLst>
+                            <p:childTnLst>
+                              <p:par>
+                                <p:cTn id="22" presetID="22" presetClass="entr" presetSubtype="4" fill="hold" nodeType="clickEffect">
+                                  <p:stCondLst>
+                                    <p:cond delay="0"/>
+                                  </p:stCondLst>
+                                  <p:childTnLst>
+                                    <p:set>
+                                      <p:cBhvr>
+                                        <p:cTn id="23" dur="1" fill="hold">
                                           <p:stCondLst>
                                             <p:cond delay="0"/>
                                           </p:stCondLst>
@@ -7000,78 +8136,9 @@
                                         <p:strVal val="visible"/>
                                       </p:to>
                                     </p:set>
-                                    <p:anim calcmode="lin" valueType="num">
+                                    <p:animEffect transition="in" filter="wipe(down)">
                                       <p:cBhvr>
-                                        <p:cTn id="19" dur="1000" fill="hold"/>
-                                        <p:tgtEl>
-                                          <p:spTgt spid="4"/>
-                                        </p:tgtEl>
-                                        <p:attrNameLst>
-                                          <p:attrName>ppt_w</p:attrName>
-                                        </p:attrNameLst>
-                                      </p:cBhvr>
-                                      <p:tavLst>
-                                        <p:tav tm="0">
-                                          <p:val>
-                                            <p:fltVal val="0"/>
-                                          </p:val>
-                                        </p:tav>
-                                        <p:tav tm="100000">
-                                          <p:val>
-                                            <p:strVal val="#ppt_w"/>
-                                          </p:val>
-                                        </p:tav>
-                                      </p:tavLst>
-                                    </p:anim>
-                                    <p:anim calcmode="lin" valueType="num">
-                                      <p:cBhvr>
-                                        <p:cTn id="20" dur="1000" fill="hold"/>
-                                        <p:tgtEl>
-                                          <p:spTgt spid="4"/>
-                                        </p:tgtEl>
-                                        <p:attrNameLst>
-                                          <p:attrName>ppt_h</p:attrName>
-                                        </p:attrNameLst>
-                                      </p:cBhvr>
-                                      <p:tavLst>
-                                        <p:tav tm="0">
-                                          <p:val>
-                                            <p:fltVal val="0"/>
-                                          </p:val>
-                                        </p:tav>
-                                        <p:tav tm="100000">
-                                          <p:val>
-                                            <p:strVal val="#ppt_h"/>
-                                          </p:val>
-                                        </p:tav>
-                                      </p:tavLst>
-                                    </p:anim>
-                                    <p:anim calcmode="lin" valueType="num">
-                                      <p:cBhvr>
-                                        <p:cTn id="21" dur="1000" fill="hold"/>
-                                        <p:tgtEl>
-                                          <p:spTgt spid="4"/>
-                                        </p:tgtEl>
-                                        <p:attrNameLst>
-                                          <p:attrName>style.rotation</p:attrName>
-                                        </p:attrNameLst>
-                                      </p:cBhvr>
-                                      <p:tavLst>
-                                        <p:tav tm="0">
-                                          <p:val>
-                                            <p:fltVal val="90"/>
-                                          </p:val>
-                                        </p:tav>
-                                        <p:tav tm="100000">
-                                          <p:val>
-                                            <p:fltVal val="0"/>
-                                          </p:val>
-                                        </p:tav>
-                                      </p:tavLst>
-                                    </p:anim>
-                                    <p:animEffect transition="in" filter="fade">
-                                      <p:cBhvr>
-                                        <p:cTn id="22" dur="1000"/>
+                                        <p:cTn id="24" dur="500"/>
                                         <p:tgtEl>
                                           <p:spTgt spid="4"/>
                                         </p:tgtEl>
@@ -7637,21 +8704,205 @@
           <a:lstStyle/>
           <a:p>
             <a:r>
-              <a:rPr lang="en-US" dirty="0"/>
-              <a:t>Demo</a:t>
+              <a:rPr lang="en-US" dirty="0" err="1"/>
+              <a:t>Pengujian</a:t>
+            </a:r>
+            <a:r>
+              <a:rPr lang="en-US" dirty="0"/>
+              <a:t> </a:t>
+            </a:r>
+            <a:r>
+              <a:rPr lang="en-US" dirty="0" err="1"/>
+              <a:t>Eksperimental</a:t>
             </a:r>
             <a:endParaRPr lang="id-ID" dirty="0"/>
           </a:p>
         </p:txBody>
       </p:sp>
-      <p:sp>
-        <p:nvSpPr>
-          <p:cNvPr id="3" name="Content Placeholder 2"/>
+      <p:pic>
+        <p:nvPicPr>
+          <p:cNvPr id="4" name="Content Placeholder 3"/>
+          <p:cNvPicPr>
+            <a:picLocks noGrp="1" noChangeAspect="1"/>
+          </p:cNvPicPr>
+          <p:nvPr>
+            <p:ph idx="1"/>
+          </p:nvPr>
+        </p:nvPicPr>
+        <p:blipFill rotWithShape="1">
+          <a:blip r:embed="rId3"/>
+          <a:srcRect b="14644"/>
+          <a:stretch/>
+        </p:blipFill>
+        <p:spPr>
+          <a:xfrm>
+            <a:off x="3243001" y="896582"/>
+            <a:ext cx="7034599" cy="4822047"/>
+          </a:xfrm>
+          <a:prstGeom prst="rect">
+            <a:avLst/>
+          </a:prstGeom>
+        </p:spPr>
+      </p:pic>
+    </p:spTree>
+    <p:extLst>
+      <p:ext uri="{BB962C8B-B14F-4D97-AF65-F5344CB8AC3E}">
+        <p14:creationId xmlns:p14="http://schemas.microsoft.com/office/powerpoint/2010/main" val="3594121022"/>
+      </p:ext>
+    </p:extLst>
+  </p:cSld>
+  <p:clrMapOvr>
+    <a:masterClrMapping/>
+  </p:clrMapOvr>
+  <p:timing>
+    <p:tnLst>
+      <p:par>
+        <p:cTn id="1" dur="indefinite" restart="never" nodeType="tmRoot">
+          <p:childTnLst>
+            <p:seq concurrent="1" nextAc="seek">
+              <p:cTn id="2" dur="indefinite" nodeType="mainSeq">
+                <p:childTnLst>
+                  <p:par>
+                    <p:cTn id="3" fill="hold">
+                      <p:stCondLst>
+                        <p:cond delay="indefinite"/>
+                      </p:stCondLst>
+                      <p:childTnLst>
+                        <p:par>
+                          <p:cTn id="4" fill="hold">
+                            <p:stCondLst>
+                              <p:cond delay="0"/>
+                            </p:stCondLst>
+                            <p:childTnLst>
+                              <p:par>
+                                <p:cTn id="5" presetID="2" presetClass="entr" presetSubtype="4" fill="hold" nodeType="clickEffect">
+                                  <p:stCondLst>
+                                    <p:cond delay="0"/>
+                                  </p:stCondLst>
+                                  <p:childTnLst>
+                                    <p:set>
+                                      <p:cBhvr>
+                                        <p:cTn id="6" dur="1" fill="hold">
+                                          <p:stCondLst>
+                                            <p:cond delay="0"/>
+                                          </p:stCondLst>
+                                        </p:cTn>
+                                        <p:tgtEl>
+                                          <p:spTgt spid="4"/>
+                                        </p:tgtEl>
+                                        <p:attrNameLst>
+                                          <p:attrName>style.visibility</p:attrName>
+                                        </p:attrNameLst>
+                                      </p:cBhvr>
+                                      <p:to>
+                                        <p:strVal val="visible"/>
+                                      </p:to>
+                                    </p:set>
+                                    <p:anim calcmode="lin" valueType="num">
+                                      <p:cBhvr additive="base">
+                                        <p:cTn id="7" dur="500" fill="hold"/>
+                                        <p:tgtEl>
+                                          <p:spTgt spid="4"/>
+                                        </p:tgtEl>
+                                        <p:attrNameLst>
+                                          <p:attrName>ppt_x</p:attrName>
+                                        </p:attrNameLst>
+                                      </p:cBhvr>
+                                      <p:tavLst>
+                                        <p:tav tm="0">
+                                          <p:val>
+                                            <p:strVal val="#ppt_x"/>
+                                          </p:val>
+                                        </p:tav>
+                                        <p:tav tm="100000">
+                                          <p:val>
+                                            <p:strVal val="#ppt_x"/>
+                                          </p:val>
+                                        </p:tav>
+                                      </p:tavLst>
+                                    </p:anim>
+                                    <p:anim calcmode="lin" valueType="num">
+                                      <p:cBhvr additive="base">
+                                        <p:cTn id="8" dur="500" fill="hold"/>
+                                        <p:tgtEl>
+                                          <p:spTgt spid="4"/>
+                                        </p:tgtEl>
+                                        <p:attrNameLst>
+                                          <p:attrName>ppt_y</p:attrName>
+                                        </p:attrNameLst>
+                                      </p:cBhvr>
+                                      <p:tavLst>
+                                        <p:tav tm="0">
+                                          <p:val>
+                                            <p:strVal val="1+#ppt_h/2"/>
+                                          </p:val>
+                                        </p:tav>
+                                        <p:tav tm="100000">
+                                          <p:val>
+                                            <p:strVal val="#ppt_y"/>
+                                          </p:val>
+                                        </p:tav>
+                                      </p:tavLst>
+                                    </p:anim>
+                                  </p:childTnLst>
+                                </p:cTn>
+                              </p:par>
+                            </p:childTnLst>
+                          </p:cTn>
+                        </p:par>
+                      </p:childTnLst>
+                    </p:cTn>
+                  </p:par>
+                </p:childTnLst>
+              </p:cTn>
+              <p:prevCondLst>
+                <p:cond evt="onPrev" delay="0">
+                  <p:tgtEl>
+                    <p:sldTgt/>
+                  </p:tgtEl>
+                </p:cond>
+              </p:prevCondLst>
+              <p:nextCondLst>
+                <p:cond evt="onNext" delay="0">
+                  <p:tgtEl>
+                    <p:sldTgt/>
+                  </p:tgtEl>
+                </p:cond>
+              </p:nextCondLst>
+            </p:seq>
+          </p:childTnLst>
+        </p:cTn>
+      </p:par>
+    </p:tnLst>
+  </p:timing>
+</p:sld>
+</file>
+
+<file path=ppt/slides/slide22.xml><?xml version="1.0" encoding="utf-8"?>
+<p:sld xmlns:a="http://schemas.openxmlformats.org/drawingml/2006/main" xmlns:r="http://schemas.openxmlformats.org/officeDocument/2006/relationships" xmlns:p="http://schemas.openxmlformats.org/presentationml/2006/main">
+  <p:cSld>
+    <p:spTree>
+      <p:nvGrpSpPr>
+        <p:cNvPr id="1" name=""/>
+        <p:cNvGrpSpPr/>
+        <p:nvPr/>
+      </p:nvGrpSpPr>
+      <p:grpSpPr>
+        <a:xfrm>
+          <a:off x="0" y="0"/>
+          <a:ext cx="0" cy="0"/>
+          <a:chOff x="0" y="0"/>
+          <a:chExt cx="0" cy="0"/>
+        </a:xfrm>
+      </p:grpSpPr>
+      <p:sp>
+        <p:nvSpPr>
+          <p:cNvPr id="2" name="Title 1"/>
           <p:cNvSpPr>
             <a:spLocks noGrp="1"/>
           </p:cNvSpPr>
           <p:nvPr>
-            <p:ph idx="1"/>
+            <p:ph type="title"/>
           </p:nvPr>
         </p:nvSpPr>
         <p:spPr/>
@@ -7659,6 +8910,388 @@
           <a:bodyPr/>
           <a:lstStyle/>
           <a:p>
+            <a:r>
+              <a:rPr lang="en-US" dirty="0" err="1"/>
+              <a:t>Hasil</a:t>
+            </a:r>
+            <a:r>
+              <a:rPr lang="en-US" dirty="0"/>
+              <a:t> </a:t>
+            </a:r>
+            <a:r>
+              <a:rPr lang="en-US" dirty="0" err="1"/>
+              <a:t>Pengujian</a:t>
+            </a:r>
+            <a:endParaRPr lang="id-ID" dirty="0"/>
+          </a:p>
+        </p:txBody>
+      </p:sp>
+      <p:pic>
+        <p:nvPicPr>
+          <p:cNvPr id="4" name="Content Placeholder 3"/>
+          <p:cNvPicPr>
+            <a:picLocks noGrp="1" noChangeAspect="1"/>
+          </p:cNvPicPr>
+          <p:nvPr>
+            <p:ph idx="1"/>
+          </p:nvPr>
+        </p:nvPicPr>
+        <p:blipFill>
+          <a:blip r:embed="rId2"/>
+          <a:stretch>
+            <a:fillRect/>
+          </a:stretch>
+        </p:blipFill>
+        <p:spPr>
+          <a:xfrm>
+            <a:off x="2425852" y="484631"/>
+            <a:ext cx="6826390" cy="5988739"/>
+          </a:xfrm>
+        </p:spPr>
+      </p:pic>
+      <p:pic>
+        <p:nvPicPr>
+          <p:cNvPr id="5" name="Picture 4"/>
+          <p:cNvPicPr>
+            <a:picLocks noChangeAspect="1"/>
+          </p:cNvPicPr>
+          <p:nvPr/>
+        </p:nvPicPr>
+        <p:blipFill>
+          <a:blip r:embed="rId3"/>
+          <a:stretch>
+            <a:fillRect/>
+          </a:stretch>
+        </p:blipFill>
+        <p:spPr>
+          <a:xfrm>
+            <a:off x="1882321" y="1178876"/>
+            <a:ext cx="8147050" cy="4879024"/>
+          </a:xfrm>
+          <a:prstGeom prst="rect">
+            <a:avLst/>
+          </a:prstGeom>
+        </p:spPr>
+      </p:pic>
+      <p:pic>
+        <p:nvPicPr>
+          <p:cNvPr id="6" name="Picture 5"/>
+          <p:cNvPicPr>
+            <a:picLocks noChangeAspect="1"/>
+          </p:cNvPicPr>
+          <p:nvPr/>
+        </p:nvPicPr>
+        <p:blipFill>
+          <a:blip r:embed="rId4"/>
+          <a:stretch>
+            <a:fillRect/>
+          </a:stretch>
+        </p:blipFill>
+        <p:spPr>
+          <a:xfrm>
+            <a:off x="261937" y="328612"/>
+            <a:ext cx="11668125" cy="6200775"/>
+          </a:xfrm>
+          <a:prstGeom prst="rect">
+            <a:avLst/>
+          </a:prstGeom>
+        </p:spPr>
+      </p:pic>
+    </p:spTree>
+    <p:extLst>
+      <p:ext uri="{BB962C8B-B14F-4D97-AF65-F5344CB8AC3E}">
+        <p14:creationId xmlns:p14="http://schemas.microsoft.com/office/powerpoint/2010/main" val="4129357920"/>
+      </p:ext>
+    </p:extLst>
+  </p:cSld>
+  <p:clrMapOvr>
+    <a:masterClrMapping/>
+  </p:clrMapOvr>
+  <p:timing>
+    <p:tnLst>
+      <p:par>
+        <p:cTn id="1" dur="indefinite" restart="never" nodeType="tmRoot">
+          <p:childTnLst>
+            <p:seq concurrent="1" nextAc="seek">
+              <p:cTn id="2" dur="indefinite" nodeType="mainSeq">
+                <p:childTnLst>
+                  <p:par>
+                    <p:cTn id="3" fill="hold">
+                      <p:stCondLst>
+                        <p:cond delay="indefinite"/>
+                      </p:stCondLst>
+                      <p:childTnLst>
+                        <p:par>
+                          <p:cTn id="4" fill="hold">
+                            <p:stCondLst>
+                              <p:cond delay="0"/>
+                            </p:stCondLst>
+                            <p:childTnLst>
+                              <p:par>
+                                <p:cTn id="5" presetID="2" presetClass="entr" presetSubtype="4" fill="hold" nodeType="clickEffect">
+                                  <p:stCondLst>
+                                    <p:cond delay="0"/>
+                                  </p:stCondLst>
+                                  <p:childTnLst>
+                                    <p:set>
+                                      <p:cBhvr>
+                                        <p:cTn id="6" dur="1" fill="hold">
+                                          <p:stCondLst>
+                                            <p:cond delay="0"/>
+                                          </p:stCondLst>
+                                        </p:cTn>
+                                        <p:tgtEl>
+                                          <p:spTgt spid="4"/>
+                                        </p:tgtEl>
+                                        <p:attrNameLst>
+                                          <p:attrName>style.visibility</p:attrName>
+                                        </p:attrNameLst>
+                                      </p:cBhvr>
+                                      <p:to>
+                                        <p:strVal val="visible"/>
+                                      </p:to>
+                                    </p:set>
+                                    <p:anim calcmode="lin" valueType="num">
+                                      <p:cBhvr additive="base">
+                                        <p:cTn id="7" dur="500" fill="hold"/>
+                                        <p:tgtEl>
+                                          <p:spTgt spid="4"/>
+                                        </p:tgtEl>
+                                        <p:attrNameLst>
+                                          <p:attrName>ppt_x</p:attrName>
+                                        </p:attrNameLst>
+                                      </p:cBhvr>
+                                      <p:tavLst>
+                                        <p:tav tm="0">
+                                          <p:val>
+                                            <p:strVal val="#ppt_x"/>
+                                          </p:val>
+                                        </p:tav>
+                                        <p:tav tm="100000">
+                                          <p:val>
+                                            <p:strVal val="#ppt_x"/>
+                                          </p:val>
+                                        </p:tav>
+                                      </p:tavLst>
+                                    </p:anim>
+                                    <p:anim calcmode="lin" valueType="num">
+                                      <p:cBhvr additive="base">
+                                        <p:cTn id="8" dur="500" fill="hold"/>
+                                        <p:tgtEl>
+                                          <p:spTgt spid="4"/>
+                                        </p:tgtEl>
+                                        <p:attrNameLst>
+                                          <p:attrName>ppt_y</p:attrName>
+                                        </p:attrNameLst>
+                                      </p:cBhvr>
+                                      <p:tavLst>
+                                        <p:tav tm="0">
+                                          <p:val>
+                                            <p:strVal val="1+#ppt_h/2"/>
+                                          </p:val>
+                                        </p:tav>
+                                        <p:tav tm="100000">
+                                          <p:val>
+                                            <p:strVal val="#ppt_y"/>
+                                          </p:val>
+                                        </p:tav>
+                                      </p:tavLst>
+                                    </p:anim>
+                                  </p:childTnLst>
+                                </p:cTn>
+                              </p:par>
+                            </p:childTnLst>
+                          </p:cTn>
+                        </p:par>
+                      </p:childTnLst>
+                    </p:cTn>
+                  </p:par>
+                  <p:par>
+                    <p:cTn id="9" fill="hold">
+                      <p:stCondLst>
+                        <p:cond delay="indefinite"/>
+                      </p:stCondLst>
+                      <p:childTnLst>
+                        <p:par>
+                          <p:cTn id="10" fill="hold">
+                            <p:stCondLst>
+                              <p:cond delay="0"/>
+                            </p:stCondLst>
+                            <p:childTnLst>
+                              <p:par>
+                                <p:cTn id="11" presetID="16" presetClass="entr" presetSubtype="21" fill="hold" nodeType="clickEffect">
+                                  <p:stCondLst>
+                                    <p:cond delay="0"/>
+                                  </p:stCondLst>
+                                  <p:childTnLst>
+                                    <p:set>
+                                      <p:cBhvr>
+                                        <p:cTn id="12" dur="1" fill="hold">
+                                          <p:stCondLst>
+                                            <p:cond delay="0"/>
+                                          </p:stCondLst>
+                                        </p:cTn>
+                                        <p:tgtEl>
+                                          <p:spTgt spid="5"/>
+                                        </p:tgtEl>
+                                        <p:attrNameLst>
+                                          <p:attrName>style.visibility</p:attrName>
+                                        </p:attrNameLst>
+                                      </p:cBhvr>
+                                      <p:to>
+                                        <p:strVal val="visible"/>
+                                      </p:to>
+                                    </p:set>
+                                    <p:animEffect transition="in" filter="barn(inVertical)">
+                                      <p:cBhvr>
+                                        <p:cTn id="13" dur="500"/>
+                                        <p:tgtEl>
+                                          <p:spTgt spid="5"/>
+                                        </p:tgtEl>
+                                      </p:cBhvr>
+                                    </p:animEffect>
+                                  </p:childTnLst>
+                                </p:cTn>
+                              </p:par>
+                            </p:childTnLst>
+                          </p:cTn>
+                        </p:par>
+                      </p:childTnLst>
+                    </p:cTn>
+                  </p:par>
+                  <p:par>
+                    <p:cTn id="14" fill="hold">
+                      <p:stCondLst>
+                        <p:cond delay="indefinite"/>
+                      </p:stCondLst>
+                      <p:childTnLst>
+                        <p:par>
+                          <p:cTn id="15" fill="hold">
+                            <p:stCondLst>
+                              <p:cond delay="0"/>
+                            </p:stCondLst>
+                            <p:childTnLst>
+                              <p:par>
+                                <p:cTn id="16" presetID="16" presetClass="entr" presetSubtype="21" fill="hold" nodeType="clickEffect">
+                                  <p:stCondLst>
+                                    <p:cond delay="0"/>
+                                  </p:stCondLst>
+                                  <p:childTnLst>
+                                    <p:set>
+                                      <p:cBhvr>
+                                        <p:cTn id="17" dur="1" fill="hold">
+                                          <p:stCondLst>
+                                            <p:cond delay="0"/>
+                                          </p:stCondLst>
+                                        </p:cTn>
+                                        <p:tgtEl>
+                                          <p:spTgt spid="6"/>
+                                        </p:tgtEl>
+                                        <p:attrNameLst>
+                                          <p:attrName>style.visibility</p:attrName>
+                                        </p:attrNameLst>
+                                      </p:cBhvr>
+                                      <p:to>
+                                        <p:strVal val="visible"/>
+                                      </p:to>
+                                    </p:set>
+                                    <p:animEffect transition="in" filter="barn(inVertical)">
+                                      <p:cBhvr>
+                                        <p:cTn id="18" dur="500"/>
+                                        <p:tgtEl>
+                                          <p:spTgt spid="6"/>
+                                        </p:tgtEl>
+                                      </p:cBhvr>
+                                    </p:animEffect>
+                                  </p:childTnLst>
+                                </p:cTn>
+                              </p:par>
+                            </p:childTnLst>
+                          </p:cTn>
+                        </p:par>
+                      </p:childTnLst>
+                    </p:cTn>
+                  </p:par>
+                </p:childTnLst>
+              </p:cTn>
+              <p:prevCondLst>
+                <p:cond evt="onPrev" delay="0">
+                  <p:tgtEl>
+                    <p:sldTgt/>
+                  </p:tgtEl>
+                </p:cond>
+              </p:prevCondLst>
+              <p:nextCondLst>
+                <p:cond evt="onNext" delay="0">
+                  <p:tgtEl>
+                    <p:sldTgt/>
+                  </p:tgtEl>
+                </p:cond>
+              </p:nextCondLst>
+            </p:seq>
+          </p:childTnLst>
+        </p:cTn>
+      </p:par>
+    </p:tnLst>
+  </p:timing>
+</p:sld>
+</file>
+
+<file path=ppt/slides/slide23.xml><?xml version="1.0" encoding="utf-8"?>
+<p:sld xmlns:a="http://schemas.openxmlformats.org/drawingml/2006/main" xmlns:r="http://schemas.openxmlformats.org/officeDocument/2006/relationships" xmlns:p="http://schemas.openxmlformats.org/presentationml/2006/main">
+  <p:cSld>
+    <p:spTree>
+      <p:nvGrpSpPr>
+        <p:cNvPr id="1" name=""/>
+        <p:cNvGrpSpPr/>
+        <p:nvPr/>
+      </p:nvGrpSpPr>
+      <p:grpSpPr>
+        <a:xfrm>
+          <a:off x="0" y="0"/>
+          <a:ext cx="0" cy="0"/>
+          <a:chOff x="0" y="0"/>
+          <a:chExt cx="0" cy="0"/>
+        </a:xfrm>
+      </p:grpSpPr>
+      <p:sp>
+        <p:nvSpPr>
+          <p:cNvPr id="2" name="Title 1"/>
+          <p:cNvSpPr>
+            <a:spLocks noGrp="1"/>
+          </p:cNvSpPr>
+          <p:nvPr>
+            <p:ph type="title"/>
+          </p:nvPr>
+        </p:nvSpPr>
+        <p:spPr/>
+        <p:txBody>
+          <a:bodyPr/>
+          <a:lstStyle/>
+          <a:p>
+            <a:r>
+              <a:rPr lang="en-US" dirty="0"/>
+              <a:t>Demo</a:t>
+            </a:r>
+            <a:endParaRPr lang="id-ID" dirty="0"/>
+          </a:p>
+        </p:txBody>
+      </p:sp>
+      <p:sp>
+        <p:nvSpPr>
+          <p:cNvPr id="3" name="Content Placeholder 2"/>
+          <p:cNvSpPr>
+            <a:spLocks noGrp="1"/>
+          </p:cNvSpPr>
+          <p:nvPr>
+            <p:ph idx="1"/>
+          </p:nvPr>
+        </p:nvSpPr>
+        <p:spPr/>
+        <p:txBody>
+          <a:bodyPr/>
+          <a:lstStyle/>
+          <a:p>
             <a:endParaRPr lang="id-ID"/>
           </a:p>
         </p:txBody>
@@ -7667,6 +9300,362 @@
     <p:extLst>
       <p:ext uri="{BB962C8B-B14F-4D97-AF65-F5344CB8AC3E}">
         <p14:creationId xmlns:p14="http://schemas.microsoft.com/office/powerpoint/2010/main" val="2587577011"/>
+      </p:ext>
+    </p:extLst>
+  </p:cSld>
+  <p:clrMapOvr>
+    <a:masterClrMapping/>
+  </p:clrMapOvr>
+</p:sld>
+</file>
+
+<file path=ppt/slides/slide24.xml><?xml version="1.0" encoding="utf-8"?>
+<p:sld xmlns:a="http://schemas.openxmlformats.org/drawingml/2006/main" xmlns:r="http://schemas.openxmlformats.org/officeDocument/2006/relationships" xmlns:p="http://schemas.openxmlformats.org/presentationml/2006/main">
+  <p:cSld>
+    <p:spTree>
+      <p:nvGrpSpPr>
+        <p:cNvPr id="1" name=""/>
+        <p:cNvGrpSpPr/>
+        <p:nvPr/>
+      </p:nvGrpSpPr>
+      <p:grpSpPr>
+        <a:xfrm>
+          <a:off x="0" y="0"/>
+          <a:ext cx="0" cy="0"/>
+          <a:chOff x="0" y="0"/>
+          <a:chExt cx="0" cy="0"/>
+        </a:xfrm>
+      </p:grpSpPr>
+      <p:sp>
+        <p:nvSpPr>
+          <p:cNvPr id="2" name="Title 1"/>
+          <p:cNvSpPr>
+            <a:spLocks noGrp="1"/>
+          </p:cNvSpPr>
+          <p:nvPr>
+            <p:ph type="title"/>
+          </p:nvPr>
+        </p:nvSpPr>
+        <p:spPr/>
+        <p:txBody>
+          <a:bodyPr/>
+          <a:lstStyle/>
+          <a:p>
+            <a:r>
+              <a:rPr lang="en-US" dirty="0" err="1"/>
+              <a:t>Kesimpulan</a:t>
+            </a:r>
+            <a:endParaRPr lang="id-ID" dirty="0"/>
+          </a:p>
+        </p:txBody>
+      </p:sp>
+      <p:sp>
+        <p:nvSpPr>
+          <p:cNvPr id="3" name="Content Placeholder 2"/>
+          <p:cNvSpPr>
+            <a:spLocks noGrp="1"/>
+          </p:cNvSpPr>
+          <p:nvPr>
+            <p:ph idx="1"/>
+          </p:nvPr>
+        </p:nvSpPr>
+        <p:spPr/>
+        <p:txBody>
+          <a:bodyPr/>
+          <a:lstStyle/>
+          <a:p>
+            <a:r>
+              <a:rPr lang="en-US" dirty="0"/>
+              <a:t>PL </a:t>
+            </a:r>
+            <a:r>
+              <a:rPr lang="en-US" dirty="0" err="1"/>
+              <a:t>dapat</a:t>
+            </a:r>
+            <a:r>
+              <a:rPr lang="en-US" dirty="0"/>
+              <a:t> </a:t>
+            </a:r>
+            <a:r>
+              <a:rPr lang="en-US" dirty="0" err="1"/>
+              <a:t>membaca</a:t>
+            </a:r>
+            <a:r>
+              <a:rPr lang="en-US" dirty="0"/>
+              <a:t> file excel </a:t>
+            </a:r>
+            <a:r>
+              <a:rPr lang="en-US" dirty="0" err="1"/>
+              <a:t>jadwal</a:t>
+            </a:r>
+            <a:r>
+              <a:rPr lang="en-US" dirty="0"/>
+              <a:t> </a:t>
+            </a:r>
+            <a:r>
+              <a:rPr lang="en-US" dirty="0" err="1"/>
+              <a:t>mengawas</a:t>
+            </a:r>
+            <a:r>
+              <a:rPr lang="en-US" dirty="0"/>
+              <a:t> </a:t>
+            </a:r>
+            <a:r>
+              <a:rPr lang="en-US" dirty="0" err="1"/>
+              <a:t>ujian</a:t>
+            </a:r>
+            <a:endParaRPr lang="en-US" dirty="0"/>
+          </a:p>
+          <a:p>
+            <a:r>
+              <a:rPr lang="en-US" dirty="0"/>
+              <a:t>PL </a:t>
+            </a:r>
+            <a:r>
+              <a:rPr lang="en-US" dirty="0" err="1"/>
+              <a:t>dapat</a:t>
+            </a:r>
+            <a:r>
+              <a:rPr lang="en-US" dirty="0"/>
+              <a:t> </a:t>
+            </a:r>
+            <a:r>
+              <a:rPr lang="en-US" dirty="0" err="1"/>
+              <a:t>menampilkan</a:t>
+            </a:r>
+            <a:r>
+              <a:rPr lang="en-US" dirty="0"/>
+              <a:t> </a:t>
+            </a:r>
+            <a:r>
+              <a:rPr lang="en-US" dirty="0" err="1"/>
+              <a:t>jadwal</a:t>
+            </a:r>
+            <a:r>
+              <a:rPr lang="en-US" dirty="0"/>
+              <a:t> </a:t>
+            </a:r>
+            <a:r>
+              <a:rPr lang="en-US" dirty="0" err="1"/>
+              <a:t>ke</a:t>
+            </a:r>
+            <a:r>
+              <a:rPr lang="en-US" dirty="0"/>
+              <a:t> layer.</a:t>
+            </a:r>
+          </a:p>
+          <a:p>
+            <a:r>
+              <a:rPr lang="en-US" dirty="0"/>
+              <a:t>PL </a:t>
+            </a:r>
+            <a:r>
+              <a:rPr lang="en-US" dirty="0" err="1"/>
+              <a:t>dapat</a:t>
+            </a:r>
+            <a:r>
+              <a:rPr lang="en-US" dirty="0"/>
+              <a:t> </a:t>
+            </a:r>
+            <a:r>
+              <a:rPr lang="en-US" dirty="0" err="1"/>
+              <a:t>mengkonversi</a:t>
+            </a:r>
+            <a:r>
+              <a:rPr lang="en-US" dirty="0"/>
+              <a:t> </a:t>
+            </a:r>
+            <a:r>
+              <a:rPr lang="en-US" dirty="0" err="1"/>
+              <a:t>jadwal</a:t>
+            </a:r>
+            <a:r>
+              <a:rPr lang="en-US" dirty="0"/>
+              <a:t> </a:t>
+            </a:r>
+            <a:r>
+              <a:rPr lang="en-US" dirty="0" err="1"/>
+              <a:t>kedalam</a:t>
+            </a:r>
+            <a:r>
+              <a:rPr lang="en-US" dirty="0"/>
+              <a:t> iCalendar.</a:t>
+            </a:r>
+          </a:p>
+          <a:p>
+            <a:r>
+              <a:rPr lang="en-US" dirty="0"/>
+              <a:t>User </a:t>
+            </a:r>
+            <a:r>
+              <a:rPr lang="en-US" dirty="0" err="1"/>
+              <a:t>dapat</a:t>
+            </a:r>
+            <a:r>
+              <a:rPr lang="en-US" dirty="0"/>
+              <a:t> </a:t>
+            </a:r>
+            <a:r>
+              <a:rPr lang="en-US" dirty="0" err="1"/>
+              <a:t>mengunduh</a:t>
+            </a:r>
+            <a:r>
+              <a:rPr lang="en-US" dirty="0"/>
+              <a:t> file iCalendar.</a:t>
+            </a:r>
+            <a:endParaRPr lang="id-ID" dirty="0"/>
+          </a:p>
+        </p:txBody>
+      </p:sp>
+    </p:spTree>
+    <p:extLst>
+      <p:ext uri="{BB962C8B-B14F-4D97-AF65-F5344CB8AC3E}">
+        <p14:creationId xmlns:p14="http://schemas.microsoft.com/office/powerpoint/2010/main" val="4127208804"/>
+      </p:ext>
+    </p:extLst>
+  </p:cSld>
+  <p:clrMapOvr>
+    <a:masterClrMapping/>
+  </p:clrMapOvr>
+</p:sld>
+</file>
+
+<file path=ppt/slides/slide25.xml><?xml version="1.0" encoding="utf-8"?>
+<p:sld xmlns:a="http://schemas.openxmlformats.org/drawingml/2006/main" xmlns:r="http://schemas.openxmlformats.org/officeDocument/2006/relationships" xmlns:p="http://schemas.openxmlformats.org/presentationml/2006/main">
+  <p:cSld>
+    <p:spTree>
+      <p:nvGrpSpPr>
+        <p:cNvPr id="1" name=""/>
+        <p:cNvGrpSpPr/>
+        <p:nvPr/>
+      </p:nvGrpSpPr>
+      <p:grpSpPr>
+        <a:xfrm>
+          <a:off x="0" y="0"/>
+          <a:ext cx="0" cy="0"/>
+          <a:chOff x="0" y="0"/>
+          <a:chExt cx="0" cy="0"/>
+        </a:xfrm>
+      </p:grpSpPr>
+      <p:sp>
+        <p:nvSpPr>
+          <p:cNvPr id="2" name="Title 1"/>
+          <p:cNvSpPr>
+            <a:spLocks noGrp="1"/>
+          </p:cNvSpPr>
+          <p:nvPr>
+            <p:ph type="title"/>
+          </p:nvPr>
+        </p:nvSpPr>
+        <p:spPr/>
+        <p:txBody>
+          <a:bodyPr/>
+          <a:lstStyle/>
+          <a:p>
+            <a:r>
+              <a:rPr lang="en-US" dirty="0"/>
+              <a:t>Saran</a:t>
+            </a:r>
+            <a:endParaRPr lang="id-ID" dirty="0"/>
+          </a:p>
+        </p:txBody>
+      </p:sp>
+      <p:sp>
+        <p:nvSpPr>
+          <p:cNvPr id="3" name="Content Placeholder 2"/>
+          <p:cNvSpPr>
+            <a:spLocks noGrp="1"/>
+          </p:cNvSpPr>
+          <p:nvPr>
+            <p:ph idx="1"/>
+          </p:nvPr>
+        </p:nvSpPr>
+        <p:spPr/>
+        <p:txBody>
+          <a:bodyPr/>
+          <a:lstStyle/>
+          <a:p>
+            <a:r>
+              <a:rPr lang="en-US" dirty="0" err="1"/>
+              <a:t>Menemukan</a:t>
+            </a:r>
+            <a:r>
+              <a:rPr lang="en-US" dirty="0"/>
+              <a:t> </a:t>
+            </a:r>
+            <a:r>
+              <a:rPr lang="en-US" dirty="0" err="1"/>
+              <a:t>algorima</a:t>
+            </a:r>
+            <a:r>
+              <a:rPr lang="en-US" dirty="0"/>
+              <a:t> </a:t>
+            </a:r>
+            <a:r>
+              <a:rPr lang="en-US" dirty="0" err="1"/>
+              <a:t>pembacaan</a:t>
+            </a:r>
+            <a:r>
+              <a:rPr lang="en-US" dirty="0"/>
+              <a:t> file excel yang </a:t>
+            </a:r>
+            <a:r>
+              <a:rPr lang="en-US" dirty="0" err="1"/>
+              <a:t>lebih</a:t>
+            </a:r>
+            <a:r>
+              <a:rPr lang="en-US" dirty="0"/>
+              <a:t> </a:t>
+            </a:r>
+            <a:r>
+              <a:rPr lang="en-US" dirty="0" err="1"/>
+              <a:t>efektif</a:t>
+            </a:r>
+            <a:r>
+              <a:rPr lang="en-US" dirty="0"/>
+              <a:t> </a:t>
+            </a:r>
+            <a:r>
+              <a:rPr lang="en-US" dirty="0" err="1"/>
+              <a:t>dan</a:t>
+            </a:r>
+            <a:r>
+              <a:rPr lang="en-US" dirty="0"/>
+              <a:t> </a:t>
+            </a:r>
+            <a:r>
+              <a:rPr lang="en-US" dirty="0" err="1"/>
+              <a:t>efisien</a:t>
+            </a:r>
+            <a:r>
+              <a:rPr lang="en-US" dirty="0"/>
+              <a:t>.</a:t>
+            </a:r>
+          </a:p>
+          <a:p>
+            <a:r>
+              <a:rPr lang="en-US" dirty="0" err="1"/>
+              <a:t>Mempercantik</a:t>
+            </a:r>
+            <a:r>
+              <a:rPr lang="en-US" dirty="0"/>
+              <a:t> </a:t>
+            </a:r>
+            <a:r>
+              <a:rPr lang="en-US" dirty="0" err="1"/>
+              <a:t>tampilan</a:t>
+            </a:r>
+            <a:r>
+              <a:rPr lang="en-US" dirty="0"/>
+              <a:t>.</a:t>
+            </a:r>
+          </a:p>
+        </p:txBody>
+      </p:sp>
+    </p:spTree>
+    <p:extLst>
+      <p:ext uri="{BB962C8B-B14F-4D97-AF65-F5344CB8AC3E}">
+        <p14:creationId xmlns:p14="http://schemas.microsoft.com/office/powerpoint/2010/main" val="3655107147"/>
       </p:ext>
     </p:extLst>
   </p:cSld>
@@ -8170,6 +10159,10 @@
               <a:t>ini dapat menerima dan membaca</a:t>
             </a:r>
             <a:r>
+              <a:rPr lang="en-US" dirty="0"/>
+              <a:t> </a:t>
+            </a:r>
+            <a:r>
               <a:rPr lang="id-ID" i="1" dirty="0"/>
               <a:t>input </a:t>
             </a:r>
@@ -8185,6 +10178,7 @@
               <a:rPr lang="id-ID" dirty="0"/>
               <a:t>dikeluarkan TU FTIS.</a:t>
             </a:r>
+            <a:endParaRPr lang="en-US" dirty="0"/>
           </a:p>
           <a:p>
             <a:r>
@@ -8232,6 +10226,554 @@
   <p:clrMapOvr>
     <a:masterClrMapping/>
   </p:clrMapOvr>
+  <p:timing>
+    <p:tnLst>
+      <p:par>
+        <p:cTn id="1" dur="indefinite" restart="never" nodeType="tmRoot">
+          <p:childTnLst>
+            <p:seq concurrent="1" nextAc="seek">
+              <p:cTn id="2" dur="indefinite" nodeType="mainSeq">
+                <p:childTnLst>
+                  <p:par>
+                    <p:cTn id="3" fill="hold">
+                      <p:stCondLst>
+                        <p:cond delay="indefinite"/>
+                      </p:stCondLst>
+                      <p:childTnLst>
+                        <p:par>
+                          <p:cTn id="4" fill="hold">
+                            <p:stCondLst>
+                              <p:cond delay="0"/>
+                            </p:stCondLst>
+                            <p:childTnLst>
+                              <p:par>
+                                <p:cTn id="5" presetID="2" presetClass="entr" presetSubtype="4" fill="hold" grpId="0" nodeType="clickEffect">
+                                  <p:stCondLst>
+                                    <p:cond delay="0"/>
+                                  </p:stCondLst>
+                                  <p:childTnLst>
+                                    <p:set>
+                                      <p:cBhvr>
+                                        <p:cTn id="6" dur="1" fill="hold">
+                                          <p:stCondLst>
+                                            <p:cond delay="0"/>
+                                          </p:stCondLst>
+                                        </p:cTn>
+                                        <p:tgtEl>
+                                          <p:spTgt spid="3">
+                                            <p:txEl>
+                                              <p:pRg st="0" end="0"/>
+                                            </p:txEl>
+                                          </p:spTgt>
+                                        </p:tgtEl>
+                                        <p:attrNameLst>
+                                          <p:attrName>style.visibility</p:attrName>
+                                        </p:attrNameLst>
+                                      </p:cBhvr>
+                                      <p:to>
+                                        <p:strVal val="visible"/>
+                                      </p:to>
+                                    </p:set>
+                                    <p:anim calcmode="lin" valueType="num">
+                                      <p:cBhvr additive="base">
+                                        <p:cTn id="7" dur="500" fill="hold"/>
+                                        <p:tgtEl>
+                                          <p:spTgt spid="3">
+                                            <p:txEl>
+                                              <p:pRg st="0" end="0"/>
+                                            </p:txEl>
+                                          </p:spTgt>
+                                        </p:tgtEl>
+                                        <p:attrNameLst>
+                                          <p:attrName>ppt_x</p:attrName>
+                                        </p:attrNameLst>
+                                      </p:cBhvr>
+                                      <p:tavLst>
+                                        <p:tav tm="0">
+                                          <p:val>
+                                            <p:strVal val="#ppt_x"/>
+                                          </p:val>
+                                        </p:tav>
+                                        <p:tav tm="100000">
+                                          <p:val>
+                                            <p:strVal val="#ppt_x"/>
+                                          </p:val>
+                                        </p:tav>
+                                      </p:tavLst>
+                                    </p:anim>
+                                    <p:anim calcmode="lin" valueType="num">
+                                      <p:cBhvr additive="base">
+                                        <p:cTn id="8" dur="500" fill="hold"/>
+                                        <p:tgtEl>
+                                          <p:spTgt spid="3">
+                                            <p:txEl>
+                                              <p:pRg st="0" end="0"/>
+                                            </p:txEl>
+                                          </p:spTgt>
+                                        </p:tgtEl>
+                                        <p:attrNameLst>
+                                          <p:attrName>ppt_y</p:attrName>
+                                        </p:attrNameLst>
+                                      </p:cBhvr>
+                                      <p:tavLst>
+                                        <p:tav tm="0">
+                                          <p:val>
+                                            <p:strVal val="1+#ppt_h/2"/>
+                                          </p:val>
+                                        </p:tav>
+                                        <p:tav tm="100000">
+                                          <p:val>
+                                            <p:strVal val="#ppt_y"/>
+                                          </p:val>
+                                        </p:tav>
+                                      </p:tavLst>
+                                    </p:anim>
+                                  </p:childTnLst>
+                                </p:cTn>
+                              </p:par>
+                            </p:childTnLst>
+                          </p:cTn>
+                        </p:par>
+                      </p:childTnLst>
+                    </p:cTn>
+                  </p:par>
+                  <p:par>
+                    <p:cTn id="9" fill="hold">
+                      <p:stCondLst>
+                        <p:cond delay="indefinite"/>
+                      </p:stCondLst>
+                      <p:childTnLst>
+                        <p:par>
+                          <p:cTn id="10" fill="hold">
+                            <p:stCondLst>
+                              <p:cond delay="0"/>
+                            </p:stCondLst>
+                            <p:childTnLst>
+                              <p:par>
+                                <p:cTn id="11" presetID="2" presetClass="entr" presetSubtype="4" fill="hold" grpId="0" nodeType="clickEffect">
+                                  <p:stCondLst>
+                                    <p:cond delay="0"/>
+                                  </p:stCondLst>
+                                  <p:childTnLst>
+                                    <p:set>
+                                      <p:cBhvr>
+                                        <p:cTn id="12" dur="1" fill="hold">
+                                          <p:stCondLst>
+                                            <p:cond delay="0"/>
+                                          </p:stCondLst>
+                                        </p:cTn>
+                                        <p:tgtEl>
+                                          <p:spTgt spid="3">
+                                            <p:txEl>
+                                              <p:pRg st="1" end="1"/>
+                                            </p:txEl>
+                                          </p:spTgt>
+                                        </p:tgtEl>
+                                        <p:attrNameLst>
+                                          <p:attrName>style.visibility</p:attrName>
+                                        </p:attrNameLst>
+                                      </p:cBhvr>
+                                      <p:to>
+                                        <p:strVal val="visible"/>
+                                      </p:to>
+                                    </p:set>
+                                    <p:anim calcmode="lin" valueType="num">
+                                      <p:cBhvr additive="base">
+                                        <p:cTn id="13" dur="500" fill="hold"/>
+                                        <p:tgtEl>
+                                          <p:spTgt spid="3">
+                                            <p:txEl>
+                                              <p:pRg st="1" end="1"/>
+                                            </p:txEl>
+                                          </p:spTgt>
+                                        </p:tgtEl>
+                                        <p:attrNameLst>
+                                          <p:attrName>ppt_x</p:attrName>
+                                        </p:attrNameLst>
+                                      </p:cBhvr>
+                                      <p:tavLst>
+                                        <p:tav tm="0">
+                                          <p:val>
+                                            <p:strVal val="#ppt_x"/>
+                                          </p:val>
+                                        </p:tav>
+                                        <p:tav tm="100000">
+                                          <p:val>
+                                            <p:strVal val="#ppt_x"/>
+                                          </p:val>
+                                        </p:tav>
+                                      </p:tavLst>
+                                    </p:anim>
+                                    <p:anim calcmode="lin" valueType="num">
+                                      <p:cBhvr additive="base">
+                                        <p:cTn id="14" dur="500" fill="hold"/>
+                                        <p:tgtEl>
+                                          <p:spTgt spid="3">
+                                            <p:txEl>
+                                              <p:pRg st="1" end="1"/>
+                                            </p:txEl>
+                                          </p:spTgt>
+                                        </p:tgtEl>
+                                        <p:attrNameLst>
+                                          <p:attrName>ppt_y</p:attrName>
+                                        </p:attrNameLst>
+                                      </p:cBhvr>
+                                      <p:tavLst>
+                                        <p:tav tm="0">
+                                          <p:val>
+                                            <p:strVal val="1+#ppt_h/2"/>
+                                          </p:val>
+                                        </p:tav>
+                                        <p:tav tm="100000">
+                                          <p:val>
+                                            <p:strVal val="#ppt_y"/>
+                                          </p:val>
+                                        </p:tav>
+                                      </p:tavLst>
+                                    </p:anim>
+                                  </p:childTnLst>
+                                </p:cTn>
+                              </p:par>
+                            </p:childTnLst>
+                          </p:cTn>
+                        </p:par>
+                      </p:childTnLst>
+                    </p:cTn>
+                  </p:par>
+                  <p:par>
+                    <p:cTn id="15" fill="hold">
+                      <p:stCondLst>
+                        <p:cond delay="indefinite"/>
+                      </p:stCondLst>
+                      <p:childTnLst>
+                        <p:par>
+                          <p:cTn id="16" fill="hold">
+                            <p:stCondLst>
+                              <p:cond delay="0"/>
+                            </p:stCondLst>
+                            <p:childTnLst>
+                              <p:par>
+                                <p:cTn id="17" presetID="2" presetClass="entr" presetSubtype="4" fill="hold" grpId="0" nodeType="clickEffect">
+                                  <p:stCondLst>
+                                    <p:cond delay="0"/>
+                                  </p:stCondLst>
+                                  <p:childTnLst>
+                                    <p:set>
+                                      <p:cBhvr>
+                                        <p:cTn id="18" dur="1" fill="hold">
+                                          <p:stCondLst>
+                                            <p:cond delay="0"/>
+                                          </p:stCondLst>
+                                        </p:cTn>
+                                        <p:tgtEl>
+                                          <p:spTgt spid="3">
+                                            <p:txEl>
+                                              <p:pRg st="2" end="2"/>
+                                            </p:txEl>
+                                          </p:spTgt>
+                                        </p:tgtEl>
+                                        <p:attrNameLst>
+                                          <p:attrName>style.visibility</p:attrName>
+                                        </p:attrNameLst>
+                                      </p:cBhvr>
+                                      <p:to>
+                                        <p:strVal val="visible"/>
+                                      </p:to>
+                                    </p:set>
+                                    <p:anim calcmode="lin" valueType="num">
+                                      <p:cBhvr additive="base">
+                                        <p:cTn id="19" dur="500" fill="hold"/>
+                                        <p:tgtEl>
+                                          <p:spTgt spid="3">
+                                            <p:txEl>
+                                              <p:pRg st="2" end="2"/>
+                                            </p:txEl>
+                                          </p:spTgt>
+                                        </p:tgtEl>
+                                        <p:attrNameLst>
+                                          <p:attrName>ppt_x</p:attrName>
+                                        </p:attrNameLst>
+                                      </p:cBhvr>
+                                      <p:tavLst>
+                                        <p:tav tm="0">
+                                          <p:val>
+                                            <p:strVal val="#ppt_x"/>
+                                          </p:val>
+                                        </p:tav>
+                                        <p:tav tm="100000">
+                                          <p:val>
+                                            <p:strVal val="#ppt_x"/>
+                                          </p:val>
+                                        </p:tav>
+                                      </p:tavLst>
+                                    </p:anim>
+                                    <p:anim calcmode="lin" valueType="num">
+                                      <p:cBhvr additive="base">
+                                        <p:cTn id="20" dur="500" fill="hold"/>
+                                        <p:tgtEl>
+                                          <p:spTgt spid="3">
+                                            <p:txEl>
+                                              <p:pRg st="2" end="2"/>
+                                            </p:txEl>
+                                          </p:spTgt>
+                                        </p:tgtEl>
+                                        <p:attrNameLst>
+                                          <p:attrName>ppt_y</p:attrName>
+                                        </p:attrNameLst>
+                                      </p:cBhvr>
+                                      <p:tavLst>
+                                        <p:tav tm="0">
+                                          <p:val>
+                                            <p:strVal val="1+#ppt_h/2"/>
+                                          </p:val>
+                                        </p:tav>
+                                        <p:tav tm="100000">
+                                          <p:val>
+                                            <p:strVal val="#ppt_y"/>
+                                          </p:val>
+                                        </p:tav>
+                                      </p:tavLst>
+                                    </p:anim>
+                                  </p:childTnLst>
+                                </p:cTn>
+                              </p:par>
+                            </p:childTnLst>
+                          </p:cTn>
+                        </p:par>
+                      </p:childTnLst>
+                    </p:cTn>
+                  </p:par>
+                  <p:par>
+                    <p:cTn id="21" fill="hold">
+                      <p:stCondLst>
+                        <p:cond delay="indefinite"/>
+                      </p:stCondLst>
+                      <p:childTnLst>
+                        <p:par>
+                          <p:cTn id="22" fill="hold">
+                            <p:stCondLst>
+                              <p:cond delay="0"/>
+                            </p:stCondLst>
+                            <p:childTnLst>
+                              <p:par>
+                                <p:cTn id="23" presetID="2" presetClass="entr" presetSubtype="4" fill="hold" grpId="0" nodeType="clickEffect">
+                                  <p:stCondLst>
+                                    <p:cond delay="0"/>
+                                  </p:stCondLst>
+                                  <p:childTnLst>
+                                    <p:set>
+                                      <p:cBhvr>
+                                        <p:cTn id="24" dur="1" fill="hold">
+                                          <p:stCondLst>
+                                            <p:cond delay="0"/>
+                                          </p:stCondLst>
+                                        </p:cTn>
+                                        <p:tgtEl>
+                                          <p:spTgt spid="3">
+                                            <p:txEl>
+                                              <p:pRg st="3" end="3"/>
+                                            </p:txEl>
+                                          </p:spTgt>
+                                        </p:tgtEl>
+                                        <p:attrNameLst>
+                                          <p:attrName>style.visibility</p:attrName>
+                                        </p:attrNameLst>
+                                      </p:cBhvr>
+                                      <p:to>
+                                        <p:strVal val="visible"/>
+                                      </p:to>
+                                    </p:set>
+                                    <p:anim calcmode="lin" valueType="num">
+                                      <p:cBhvr additive="base">
+                                        <p:cTn id="25" dur="500" fill="hold"/>
+                                        <p:tgtEl>
+                                          <p:spTgt spid="3">
+                                            <p:txEl>
+                                              <p:pRg st="3" end="3"/>
+                                            </p:txEl>
+                                          </p:spTgt>
+                                        </p:tgtEl>
+                                        <p:attrNameLst>
+                                          <p:attrName>ppt_x</p:attrName>
+                                        </p:attrNameLst>
+                                      </p:cBhvr>
+                                      <p:tavLst>
+                                        <p:tav tm="0">
+                                          <p:val>
+                                            <p:strVal val="#ppt_x"/>
+                                          </p:val>
+                                        </p:tav>
+                                        <p:tav tm="100000">
+                                          <p:val>
+                                            <p:strVal val="#ppt_x"/>
+                                          </p:val>
+                                        </p:tav>
+                                      </p:tavLst>
+                                    </p:anim>
+                                    <p:anim calcmode="lin" valueType="num">
+                                      <p:cBhvr additive="base">
+                                        <p:cTn id="26" dur="500" fill="hold"/>
+                                        <p:tgtEl>
+                                          <p:spTgt spid="3">
+                                            <p:txEl>
+                                              <p:pRg st="3" end="3"/>
+                                            </p:txEl>
+                                          </p:spTgt>
+                                        </p:tgtEl>
+                                        <p:attrNameLst>
+                                          <p:attrName>ppt_y</p:attrName>
+                                        </p:attrNameLst>
+                                      </p:cBhvr>
+                                      <p:tavLst>
+                                        <p:tav tm="0">
+                                          <p:val>
+                                            <p:strVal val="1+#ppt_h/2"/>
+                                          </p:val>
+                                        </p:tav>
+                                        <p:tav tm="100000">
+                                          <p:val>
+                                            <p:strVal val="#ppt_y"/>
+                                          </p:val>
+                                        </p:tav>
+                                      </p:tavLst>
+                                    </p:anim>
+                                  </p:childTnLst>
+                                </p:cTn>
+                              </p:par>
+                            </p:childTnLst>
+                          </p:cTn>
+                        </p:par>
+                      </p:childTnLst>
+                    </p:cTn>
+                  </p:par>
+                  <p:par>
+                    <p:cTn id="27" fill="hold">
+                      <p:stCondLst>
+                        <p:cond delay="indefinite"/>
+                      </p:stCondLst>
+                      <p:childTnLst>
+                        <p:par>
+                          <p:cTn id="28" fill="hold">
+                            <p:stCondLst>
+                              <p:cond delay="0"/>
+                            </p:stCondLst>
+                            <p:childTnLst>
+                              <p:par>
+                                <p:cTn id="29" presetID="2" presetClass="entr" presetSubtype="4" fill="hold" grpId="0" nodeType="clickEffect">
+                                  <p:stCondLst>
+                                    <p:cond delay="0"/>
+                                  </p:stCondLst>
+                                  <p:childTnLst>
+                                    <p:set>
+                                      <p:cBhvr>
+                                        <p:cTn id="30" dur="1" fill="hold">
+                                          <p:stCondLst>
+                                            <p:cond delay="0"/>
+                                          </p:stCondLst>
+                                        </p:cTn>
+                                        <p:tgtEl>
+                                          <p:spTgt spid="3">
+                                            <p:txEl>
+                                              <p:pRg st="4" end="4"/>
+                                            </p:txEl>
+                                          </p:spTgt>
+                                        </p:tgtEl>
+                                        <p:attrNameLst>
+                                          <p:attrName>style.visibility</p:attrName>
+                                        </p:attrNameLst>
+                                      </p:cBhvr>
+                                      <p:to>
+                                        <p:strVal val="visible"/>
+                                      </p:to>
+                                    </p:set>
+                                    <p:anim calcmode="lin" valueType="num">
+                                      <p:cBhvr additive="base">
+                                        <p:cTn id="31" dur="500" fill="hold"/>
+                                        <p:tgtEl>
+                                          <p:spTgt spid="3">
+                                            <p:txEl>
+                                              <p:pRg st="4" end="4"/>
+                                            </p:txEl>
+                                          </p:spTgt>
+                                        </p:tgtEl>
+                                        <p:attrNameLst>
+                                          <p:attrName>ppt_x</p:attrName>
+                                        </p:attrNameLst>
+                                      </p:cBhvr>
+                                      <p:tavLst>
+                                        <p:tav tm="0">
+                                          <p:val>
+                                            <p:strVal val="#ppt_x"/>
+                                          </p:val>
+                                        </p:tav>
+                                        <p:tav tm="100000">
+                                          <p:val>
+                                            <p:strVal val="#ppt_x"/>
+                                          </p:val>
+                                        </p:tav>
+                                      </p:tavLst>
+                                    </p:anim>
+                                    <p:anim calcmode="lin" valueType="num">
+                                      <p:cBhvr additive="base">
+                                        <p:cTn id="32" dur="500" fill="hold"/>
+                                        <p:tgtEl>
+                                          <p:spTgt spid="3">
+                                            <p:txEl>
+                                              <p:pRg st="4" end="4"/>
+                                            </p:txEl>
+                                          </p:spTgt>
+                                        </p:tgtEl>
+                                        <p:attrNameLst>
+                                          <p:attrName>ppt_y</p:attrName>
+                                        </p:attrNameLst>
+                                      </p:cBhvr>
+                                      <p:tavLst>
+                                        <p:tav tm="0">
+                                          <p:val>
+                                            <p:strVal val="1+#ppt_h/2"/>
+                                          </p:val>
+                                        </p:tav>
+                                        <p:tav tm="100000">
+                                          <p:val>
+                                            <p:strVal val="#ppt_y"/>
+                                          </p:val>
+                                        </p:tav>
+                                      </p:tavLst>
+                                    </p:anim>
+                                  </p:childTnLst>
+                                </p:cTn>
+                              </p:par>
+                            </p:childTnLst>
+                          </p:cTn>
+                        </p:par>
+                      </p:childTnLst>
+                    </p:cTn>
+                  </p:par>
+                </p:childTnLst>
+              </p:cTn>
+              <p:prevCondLst>
+                <p:cond evt="onPrev" delay="0">
+                  <p:tgtEl>
+                    <p:sldTgt/>
+                  </p:tgtEl>
+                </p:cond>
+              </p:prevCondLst>
+              <p:nextCondLst>
+                <p:cond evt="onNext" delay="0">
+                  <p:tgtEl>
+                    <p:sldTgt/>
+                  </p:tgtEl>
+                </p:cond>
+              </p:nextCondLst>
+            </p:seq>
+          </p:childTnLst>
+        </p:cTn>
+      </p:par>
+    </p:tnLst>
+    <p:bldLst>
+      <p:bldP spid="3" grpId="0" build="p"/>
+    </p:bldLst>
+  </p:timing>
 </p:sld>
 </file>
 
@@ -8289,7 +10831,12 @@
             <p:ph idx="1"/>
           </p:nvPr>
         </p:nvSpPr>
-        <p:spPr/>
+        <p:spPr>
+          <a:xfrm>
+            <a:off x="1069848" y="1831122"/>
+            <a:ext cx="10058400" cy="4050792"/>
+          </a:xfrm>
+        </p:spPr>
         <p:txBody>
           <a:bodyPr/>
           <a:lstStyle/>
@@ -8313,15 +10860,15 @@
           <p:nvPr/>
         </p:nvPicPr>
         <p:blipFill>
-          <a:blip r:embed="rId2"/>
+          <a:blip r:embed="rId3"/>
           <a:stretch>
             <a:fillRect/>
           </a:stretch>
         </p:blipFill>
         <p:spPr>
           <a:xfrm>
-            <a:off x="910183" y="2420034"/>
-            <a:ext cx="9974067" cy="5039428"/>
+            <a:off x="924698" y="2245862"/>
+            <a:ext cx="9974067" cy="4488767"/>
           </a:xfrm>
           <a:prstGeom prst="rect">
             <a:avLst/>
